--- a/trunk/Dokumenter/Institus for Datalogi.pptx
+++ b/trunk/Dokumenter/Institus for Datalogi.pptx
@@ -5,7 +5,7 @@
     <p:sldMasterId id="2147483768" r:id="rId1"/>
   </p:sldMasterIdLst>
   <p:notesMasterIdLst>
-    <p:notesMasterId r:id="rId18"/>
+    <p:notesMasterId r:id="rId25"/>
   </p:notesMasterIdLst>
   <p:sldIdLst>
     <p:sldId id="256" r:id="rId2"/>
@@ -21,9 +21,16 @@
     <p:sldId id="267" r:id="rId12"/>
     <p:sldId id="264" r:id="rId13"/>
     <p:sldId id="268" r:id="rId14"/>
-    <p:sldId id="263" r:id="rId15"/>
-    <p:sldId id="262" r:id="rId16"/>
-    <p:sldId id="272" r:id="rId17"/>
+    <p:sldId id="262" r:id="rId15"/>
+    <p:sldId id="273" r:id="rId16"/>
+    <p:sldId id="274" r:id="rId17"/>
+    <p:sldId id="275" r:id="rId18"/>
+    <p:sldId id="276" r:id="rId19"/>
+    <p:sldId id="277" r:id="rId20"/>
+    <p:sldId id="278" r:id="rId21"/>
+    <p:sldId id="279" r:id="rId22"/>
+    <p:sldId id="263" r:id="rId23"/>
+    <p:sldId id="272" r:id="rId24"/>
   </p:sldIdLst>
   <p:sldSz cx="9144000" cy="6858000" type="screen4x3"/>
   <p:notesSz cx="6858000" cy="9144000"/>
@@ -207,6 +214,7 @@
           <a:p>
             <a:fld id="{26EC29BE-902C-4E3A-8032-8C297E873FC7}" type="datetimeFigureOut">
               <a:rPr lang="da-DK" smtClean="0"/>
+              <a:pPr/>
               <a:t>16-11-2010</a:t>
             </a:fld>
             <a:endParaRPr lang="da-DK"/>
@@ -368,6 +376,7 @@
           <a:p>
             <a:fld id="{BCD03778-BCAB-4545-A36A-0F6A6DB43400}" type="slidenum">
               <a:rPr lang="da-DK" smtClean="0"/>
+              <a:pPr/>
               <a:t>‹#›</a:t>
             </a:fld>
             <a:endParaRPr lang="da-DK"/>
@@ -539,6 +548,7 @@
           <a:p>
             <a:fld id="{BCD03778-BCAB-4545-A36A-0F6A6DB43400}" type="slidenum">
               <a:rPr lang="da-DK" smtClean="0"/>
+              <a:pPr/>
               <a:t>12</a:t>
             </a:fld>
             <a:endParaRPr lang="da-DK"/>
@@ -624,6 +634,7 @@
           <a:p>
             <a:fld id="{BCD03778-BCAB-4545-A36A-0F6A6DB43400}" type="slidenum">
               <a:rPr lang="da-DK" smtClean="0"/>
+              <a:pPr/>
               <a:t>13</a:t>
             </a:fld>
             <a:endParaRPr lang="da-DK"/>
@@ -4678,11 +4689,7 @@
           <a:p>
             <a:r>
               <a:rPr lang="da-DK" dirty="0" smtClean="0"/>
-              <a:t>Institut </a:t>
-            </a:r>
-            <a:r>
-              <a:rPr lang="da-DK" dirty="0" smtClean="0"/>
-              <a:t>for Datalogi</a:t>
+              <a:t>Institut for Datalogi</a:t>
             </a:r>
             <a:endParaRPr lang="da-DK" dirty="0"/>
           </a:p>
@@ -4714,7 +4721,7 @@
     </p:spTree>
     <p:extLst>
       <p:ext uri="{BB962C8B-B14F-4D97-AF65-F5344CB8AC3E}">
-        <p14:creationId xmlns:p14="http://schemas.microsoft.com/office/powerpoint/2010/main" xmlns="" val="1584327760"/>
+        <p14:creationId xmlns="" xmlns:p14="http://schemas.microsoft.com/office/powerpoint/2010/main" val="1584327760"/>
       </p:ext>
     </p:extLst>
   </p:cSld>
@@ -4821,7 +4828,7 @@
     </p:spTree>
     <p:extLst>
       <p:ext uri="{BB962C8B-B14F-4D97-AF65-F5344CB8AC3E}">
-        <p14:creationId xmlns:p14="http://schemas.microsoft.com/office/powerpoint/2010/main" xmlns="" val="3384217735"/>
+        <p14:creationId xmlns="" xmlns:p14="http://schemas.microsoft.com/office/powerpoint/2010/main" val="3384217735"/>
       </p:ext>
     </p:extLst>
   </p:cSld>
@@ -5937,13 +5944,8 @@
           <a:p>
             <a:r>
               <a:rPr lang="da-DK" dirty="0" smtClean="0"/>
-              <a:t>10 tals systemet</a:t>
-            </a:r>
-            <a:r>
-              <a:rPr lang="da-DK" dirty="0" smtClean="0"/>
-              <a:t>!</a:t>
-            </a:r>
-            <a:endParaRPr lang="da-DK" dirty="0" smtClean="0"/>
+              <a:t>10 tals systemet!</a:t>
+            </a:r>
           </a:p>
           <a:p>
             <a:r>
@@ -5957,7 +5959,7 @@
     </p:spTree>
     <p:extLst>
       <p:ext uri="{BB962C8B-B14F-4D97-AF65-F5344CB8AC3E}">
-        <p14:creationId xmlns:p14="http://schemas.microsoft.com/office/powerpoint/2010/main" xmlns="" val="2639939"/>
+        <p14:creationId xmlns="" xmlns:p14="http://schemas.microsoft.com/office/powerpoint/2010/main" val="2639939"/>
       </p:ext>
     </p:extLst>
   </p:cSld>
@@ -10832,7 +10834,7 @@
     </p:spTree>
     <p:extLst>
       <p:ext uri="{BB962C8B-B14F-4D97-AF65-F5344CB8AC3E}">
-        <p14:creationId xmlns:p14="http://schemas.microsoft.com/office/powerpoint/2010/main" xmlns="" val="2639939"/>
+        <p14:creationId xmlns="" xmlns:p14="http://schemas.microsoft.com/office/powerpoint/2010/main" val="2639939"/>
       </p:ext>
     </p:extLst>
   </p:cSld>
@@ -10883,39 +10885,39 @@
           <a:p>
             <a:r>
               <a:rPr lang="da-DK" dirty="0" smtClean="0"/>
-              <a:t>Professor spillet</a:t>
+              <a:t>F-klub</a:t>
             </a:r>
             <a:endParaRPr lang="da-DK" dirty="0"/>
           </a:p>
         </p:txBody>
       </p:sp>
-      <p:pic>
-        <p:nvPicPr>
-          <p:cNvPr id="4" name="Content Placeholder 3" descr="300-ProfessorSpilletNy.jpg"/>
-          <p:cNvPicPr>
-            <a:picLocks noGrp="1" noChangeAspect="1"/>
-          </p:cNvPicPr>
+      <p:sp>
+        <p:nvSpPr>
+          <p:cNvPr id="3" name="Content Placeholder 2"/>
+          <p:cNvSpPr>
+            <a:spLocks noGrp="1"/>
+          </p:cNvSpPr>
           <p:nvPr>
             <p:ph idx="1"/>
           </p:nvPr>
-        </p:nvPicPr>
-        <p:blipFill>
-          <a:blip r:embed="rId2" cstate="print"/>
-          <a:stretch>
-            <a:fillRect/>
-          </a:stretch>
-        </p:blipFill>
-        <p:spPr>
-          <a:xfrm>
-            <a:off x="1907704" y="2132856"/>
-            <a:ext cx="5328592" cy="4298398"/>
-          </a:xfrm>
-        </p:spPr>
-      </p:pic>
+        </p:nvSpPr>
+        <p:spPr/>
+        <p:txBody>
+          <a:bodyPr/>
+          <a:lstStyle/>
+          <a:p>
+            <a:r>
+              <a:rPr lang="da-DK" dirty="0" smtClean="0"/>
+              <a:t>Bo kommer og fortæller</a:t>
+            </a:r>
+            <a:endParaRPr lang="da-DK" dirty="0"/>
+          </a:p>
+        </p:txBody>
+      </p:sp>
     </p:spTree>
     <p:extLst>
       <p:ext uri="{BB962C8B-B14F-4D97-AF65-F5344CB8AC3E}">
-        <p14:creationId xmlns:p14="http://schemas.microsoft.com/office/powerpoint/2010/main" xmlns="" val="2944548465"/>
+        <p14:creationId xmlns="" xmlns:p14="http://schemas.microsoft.com/office/powerpoint/2010/main" val="2969107899"/>
       </p:ext>
     </p:extLst>
   </p:cSld>
@@ -10961,20 +10963,393 @@
         </p:nvSpPr>
         <p:spPr/>
         <p:txBody>
-          <a:bodyPr/>
+          <a:bodyPr>
+            <a:normAutofit fontScale="90000"/>
+          </a:bodyPr>
           <a:lstStyle/>
           <a:p>
             <a:r>
-              <a:rPr lang="da-DK" dirty="0" smtClean="0"/>
-              <a:t>F-klub</a:t>
-            </a:r>
-            <a:endParaRPr lang="da-DK" dirty="0"/>
+              <a:rPr lang="en-US" dirty="0" err="1" smtClean="0"/>
+              <a:t>Søgning</a:t>
+            </a:r>
+            <a:r>
+              <a:rPr lang="en-US" dirty="0" smtClean="0"/>
+              <a:t> </a:t>
+            </a:r>
+            <a:r>
+              <a:rPr lang="en-US" dirty="0" err="1" smtClean="0"/>
+              <a:t>i</a:t>
+            </a:r>
+            <a:r>
+              <a:rPr lang="en-US" dirty="0" smtClean="0"/>
+              <a:t> en </a:t>
+            </a:r>
+            <a:r>
+              <a:rPr lang="en-US" dirty="0" err="1" smtClean="0"/>
+              <a:t>liste</a:t>
+            </a:r>
+            <a:r>
+              <a:rPr lang="en-US" dirty="0" smtClean="0"/>
+              <a:t> (array)</a:t>
+            </a:r>
+            <a:br>
+              <a:rPr lang="en-US" dirty="0" smtClean="0"/>
+            </a:br>
+            <a:r>
+              <a:rPr lang="en-US" dirty="0" smtClean="0"/>
+              <a:t>Linear Search</a:t>
+            </a:r>
+            <a:endParaRPr lang="en-US" dirty="0"/>
           </a:p>
         </p:txBody>
       </p:sp>
+      <p:graphicFrame>
+        <p:nvGraphicFramePr>
+          <p:cNvPr id="5" name="Table 4"/>
+          <p:cNvGraphicFramePr>
+            <a:graphicFrameLocks noGrp="1"/>
+          </p:cNvGraphicFramePr>
+          <p:nvPr>
+            <p:extLst>
+              <p:ext uri="{D42A27DB-BD31-4B8C-83A1-F6EECF244321}">
+                <p14:modId xmlns:p14="http://schemas.microsoft.com/office/powerpoint/2010/main" xmlns="" val="4036578998"/>
+              </p:ext>
+            </p:extLst>
+          </p:nvPr>
+        </p:nvGraphicFramePr>
+        <p:xfrm>
+          <a:off x="1524000" y="2158218"/>
+          <a:ext cx="6096000" cy="1463040"/>
+        </p:xfrm>
+        <a:graphic>
+          <a:graphicData uri="http://schemas.openxmlformats.org/drawingml/2006/table">
+            <a:tbl>
+              <a:tblPr firstRow="1" bandRow="1">
+                <a:tableStyleId>{5C22544A-7EE6-4342-B048-85BDC9FD1C3A}</a:tableStyleId>
+              </a:tblPr>
+              <a:tblGrid>
+                <a:gridCol w="609600"/>
+                <a:gridCol w="609600"/>
+                <a:gridCol w="609600"/>
+                <a:gridCol w="609600"/>
+                <a:gridCol w="609600"/>
+                <a:gridCol w="609600"/>
+                <a:gridCol w="609600"/>
+                <a:gridCol w="609600"/>
+                <a:gridCol w="609600"/>
+                <a:gridCol w="609600"/>
+              </a:tblGrid>
+              <a:tr h="370840">
+                <a:tc>
+                  <a:txBody>
+                    <a:bodyPr/>
+                    <a:lstStyle/>
+                    <a:p>
+                      <a:pPr algn="ctr"/>
+                      <a:r>
+                        <a:rPr lang="en-US" sz="2000" dirty="0" smtClean="0"/>
+                        <a:t>1</a:t>
+                      </a:r>
+                      <a:endParaRPr lang="en-US" sz="2000" dirty="0"/>
+                    </a:p>
+                  </a:txBody>
+                  <a:tcPr/>
+                </a:tc>
+                <a:tc>
+                  <a:txBody>
+                    <a:bodyPr/>
+                    <a:lstStyle/>
+                    <a:p>
+                      <a:pPr algn="ctr"/>
+                      <a:r>
+                        <a:rPr lang="en-US" sz="2000" dirty="0" smtClean="0"/>
+                        <a:t>2</a:t>
+                      </a:r>
+                      <a:endParaRPr lang="en-US" sz="2000" dirty="0"/>
+                    </a:p>
+                  </a:txBody>
+                  <a:tcPr/>
+                </a:tc>
+                <a:tc>
+                  <a:txBody>
+                    <a:bodyPr/>
+                    <a:lstStyle/>
+                    <a:p>
+                      <a:pPr algn="ctr"/>
+                      <a:r>
+                        <a:rPr lang="en-US" sz="2000" dirty="0" smtClean="0"/>
+                        <a:t>3</a:t>
+                      </a:r>
+                      <a:endParaRPr lang="en-US" sz="2000" dirty="0"/>
+                    </a:p>
+                  </a:txBody>
+                  <a:tcPr/>
+                </a:tc>
+                <a:tc>
+                  <a:txBody>
+                    <a:bodyPr/>
+                    <a:lstStyle/>
+                    <a:p>
+                      <a:pPr algn="ctr"/>
+                      <a:r>
+                        <a:rPr lang="en-US" sz="2000" dirty="0" smtClean="0"/>
+                        <a:t>4</a:t>
+                      </a:r>
+                      <a:endParaRPr lang="en-US" sz="2000" dirty="0"/>
+                    </a:p>
+                  </a:txBody>
+                  <a:tcPr/>
+                </a:tc>
+                <a:tc>
+                  <a:txBody>
+                    <a:bodyPr/>
+                    <a:lstStyle/>
+                    <a:p>
+                      <a:pPr algn="ctr"/>
+                      <a:r>
+                        <a:rPr lang="en-US" sz="2000" dirty="0" smtClean="0"/>
+                        <a:t>5</a:t>
+                      </a:r>
+                      <a:endParaRPr lang="en-US" sz="2000" dirty="0"/>
+                    </a:p>
+                  </a:txBody>
+                  <a:tcPr/>
+                </a:tc>
+                <a:tc>
+                  <a:txBody>
+                    <a:bodyPr/>
+                    <a:lstStyle/>
+                    <a:p>
+                      <a:pPr algn="ctr"/>
+                      <a:r>
+                        <a:rPr lang="en-US" sz="2000" dirty="0" smtClean="0"/>
+                        <a:t>6</a:t>
+                      </a:r>
+                      <a:endParaRPr lang="en-US" sz="2000" dirty="0"/>
+                    </a:p>
+                  </a:txBody>
+                  <a:tcPr/>
+                </a:tc>
+                <a:tc>
+                  <a:txBody>
+                    <a:bodyPr/>
+                    <a:lstStyle/>
+                    <a:p>
+                      <a:pPr algn="ctr"/>
+                      <a:r>
+                        <a:rPr lang="en-US" sz="2000" dirty="0" smtClean="0"/>
+                        <a:t>7</a:t>
+                      </a:r>
+                      <a:endParaRPr lang="en-US" sz="2000" dirty="0"/>
+                    </a:p>
+                  </a:txBody>
+                  <a:tcPr/>
+                </a:tc>
+                <a:tc>
+                  <a:txBody>
+                    <a:bodyPr/>
+                    <a:lstStyle/>
+                    <a:p>
+                      <a:pPr algn="ctr"/>
+                      <a:r>
+                        <a:rPr lang="en-US" sz="2000" dirty="0" smtClean="0"/>
+                        <a:t>8</a:t>
+                      </a:r>
+                      <a:endParaRPr lang="en-US" sz="2000" dirty="0"/>
+                    </a:p>
+                  </a:txBody>
+                  <a:tcPr/>
+                </a:tc>
+                <a:tc>
+                  <a:txBody>
+                    <a:bodyPr/>
+                    <a:lstStyle/>
+                    <a:p>
+                      <a:pPr algn="ctr"/>
+                      <a:r>
+                        <a:rPr lang="en-US" sz="2000" dirty="0" smtClean="0"/>
+                        <a:t>9</a:t>
+                      </a:r>
+                      <a:endParaRPr lang="en-US" sz="2000" dirty="0"/>
+                    </a:p>
+                  </a:txBody>
+                  <a:tcPr/>
+                </a:tc>
+                <a:tc>
+                  <a:txBody>
+                    <a:bodyPr/>
+                    <a:lstStyle/>
+                    <a:p>
+                      <a:pPr algn="ctr"/>
+                      <a:r>
+                        <a:rPr lang="en-US" sz="2000" dirty="0" smtClean="0"/>
+                        <a:t>10</a:t>
+                      </a:r>
+                      <a:endParaRPr lang="en-US" sz="2000" dirty="0"/>
+                    </a:p>
+                  </a:txBody>
+                  <a:tcPr/>
+                </a:tc>
+              </a:tr>
+              <a:tr h="370840">
+                <a:tc>
+                  <a:txBody>
+                    <a:bodyPr/>
+                    <a:lstStyle/>
+                    <a:p>
+                      <a:pPr algn="ctr"/>
+                      <a:r>
+                        <a:rPr lang="en-US" sz="3200" dirty="0" smtClean="0"/>
+                        <a:t>4</a:t>
+                      </a:r>
+                      <a:endParaRPr lang="en-US" sz="3200" dirty="0"/>
+                    </a:p>
+                  </a:txBody>
+                  <a:tcPr/>
+                </a:tc>
+                <a:tc>
+                  <a:txBody>
+                    <a:bodyPr/>
+                    <a:lstStyle/>
+                    <a:p>
+                      <a:pPr algn="ctr"/>
+                      <a:r>
+                        <a:rPr lang="en-US" sz="3200" dirty="0" smtClean="0"/>
+                        <a:t>9</a:t>
+                      </a:r>
+                      <a:endParaRPr lang="en-US" sz="3200" dirty="0"/>
+                    </a:p>
+                  </a:txBody>
+                  <a:tcPr/>
+                </a:tc>
+                <a:tc>
+                  <a:txBody>
+                    <a:bodyPr/>
+                    <a:lstStyle/>
+                    <a:p>
+                      <a:pPr algn="ctr"/>
+                      <a:r>
+                        <a:rPr lang="en-US" sz="3200" dirty="0" smtClean="0"/>
+                        <a:t>11</a:t>
+                      </a:r>
+                      <a:endParaRPr lang="en-US" sz="3200" dirty="0"/>
+                    </a:p>
+                  </a:txBody>
+                  <a:tcPr/>
+                </a:tc>
+                <a:tc>
+                  <a:txBody>
+                    <a:bodyPr/>
+                    <a:lstStyle/>
+                    <a:p>
+                      <a:pPr algn="ctr"/>
+                      <a:r>
+                        <a:rPr lang="en-US" sz="3200" dirty="0" smtClean="0"/>
+                        <a:t>16</a:t>
+                      </a:r>
+                      <a:endParaRPr lang="en-US" sz="3200" dirty="0"/>
+                    </a:p>
+                  </a:txBody>
+                  <a:tcPr/>
+                </a:tc>
+                <a:tc>
+                  <a:txBody>
+                    <a:bodyPr/>
+                    <a:lstStyle/>
+                    <a:p>
+                      <a:pPr algn="ctr"/>
+                      <a:r>
+                        <a:rPr lang="en-US" sz="3200" dirty="0" smtClean="0"/>
+                        <a:t>19</a:t>
+                      </a:r>
+                      <a:endParaRPr lang="en-US" sz="3200" dirty="0"/>
+                    </a:p>
+                  </a:txBody>
+                  <a:tcPr/>
+                </a:tc>
+                <a:tc>
+                  <a:txBody>
+                    <a:bodyPr/>
+                    <a:lstStyle/>
+                    <a:p>
+                      <a:pPr algn="ctr"/>
+                      <a:r>
+                        <a:rPr lang="en-US" sz="3200" dirty="0" smtClean="0"/>
+                        <a:t>26</a:t>
+                      </a:r>
+                      <a:endParaRPr lang="en-US" sz="3200" dirty="0"/>
+                    </a:p>
+                  </a:txBody>
+                  <a:tcPr/>
+                </a:tc>
+                <a:tc>
+                  <a:txBody>
+                    <a:bodyPr/>
+                    <a:lstStyle/>
+                    <a:p>
+                      <a:pPr algn="ctr"/>
+                      <a:r>
+                        <a:rPr lang="en-US" sz="3200" dirty="0" smtClean="0"/>
+                        <a:t>31</a:t>
+                      </a:r>
+                      <a:endParaRPr lang="en-US" sz="3200" dirty="0"/>
+                    </a:p>
+                  </a:txBody>
+                  <a:tcPr/>
+                </a:tc>
+                <a:tc>
+                  <a:txBody>
+                    <a:bodyPr/>
+                    <a:lstStyle/>
+                    <a:p>
+                      <a:pPr algn="ctr"/>
+                      <a:r>
+                        <a:rPr lang="en-US" sz="3200" dirty="0" smtClean="0"/>
+                        <a:t>49</a:t>
+                      </a:r>
+                      <a:endParaRPr lang="en-US" sz="3200" dirty="0"/>
+                    </a:p>
+                  </a:txBody>
+                  <a:tcPr/>
+                </a:tc>
+                <a:tc>
+                  <a:txBody>
+                    <a:bodyPr/>
+                    <a:lstStyle/>
+                    <a:p>
+                      <a:pPr algn="ctr"/>
+                      <a:r>
+                        <a:rPr lang="en-US" sz="3200" dirty="0" smtClean="0"/>
+                        <a:t>51</a:t>
+                      </a:r>
+                      <a:endParaRPr lang="en-US" sz="3200" dirty="0"/>
+                    </a:p>
+                  </a:txBody>
+                  <a:tcPr/>
+                </a:tc>
+                <a:tc>
+                  <a:txBody>
+                    <a:bodyPr/>
+                    <a:lstStyle/>
+                    <a:p>
+                      <a:pPr algn="ctr"/>
+                      <a:r>
+                        <a:rPr lang="en-US" sz="3200" dirty="0" smtClean="0"/>
+                        <a:t>67</a:t>
+                      </a:r>
+                      <a:endParaRPr lang="en-US" sz="3200" dirty="0"/>
+                    </a:p>
+                  </a:txBody>
+                  <a:tcPr/>
+                </a:tc>
+              </a:tr>
+            </a:tbl>
+          </a:graphicData>
+        </a:graphic>
+      </p:graphicFrame>
       <p:sp>
         <p:nvSpPr>
-          <p:cNvPr id="3" name="Content Placeholder 2"/>
+          <p:cNvPr id="6" name="Content Placeholder 5"/>
           <p:cNvSpPr>
             <a:spLocks noGrp="1"/>
           </p:cNvSpPr>
@@ -10982,23 +11357,48 @@
             <p:ph idx="1"/>
           </p:nvPr>
         </p:nvSpPr>
-        <p:spPr/>
+        <p:spPr>
+          <a:xfrm>
+            <a:off x="457200" y="3243385"/>
+            <a:ext cx="8229600" cy="2882778"/>
+          </a:xfrm>
+        </p:spPr>
         <p:txBody>
           <a:bodyPr/>
           <a:lstStyle/>
           <a:p>
-            <a:r>
-              <a:rPr lang="da-DK" dirty="0" smtClean="0"/>
-              <a:t>Bo kommer og fortæller</a:t>
-            </a:r>
-            <a:endParaRPr lang="da-DK" dirty="0"/>
+            <a:pPr marL="0" indent="0" algn="ctr">
+              <a:buNone/>
+            </a:pPr>
+            <a:r>
+              <a:rPr lang="en-US" dirty="0" smtClean="0"/>
+              <a:t>=</a:t>
+            </a:r>
+          </a:p>
+          <a:p>
+            <a:pPr marL="0" indent="0" algn="ctr">
+              <a:buNone/>
+            </a:pPr>
+            <a:r>
+              <a:rPr lang="en-US" dirty="0" smtClean="0"/>
+              <a:t>&gt;</a:t>
+            </a:r>
+          </a:p>
+          <a:p>
+            <a:pPr marL="0" indent="0" algn="ctr">
+              <a:buNone/>
+            </a:pPr>
+            <a:r>
+              <a:rPr lang="en-US" dirty="0" smtClean="0"/>
+              <a:t>&lt;</a:t>
+            </a:r>
           </a:p>
         </p:txBody>
       </p:sp>
     </p:spTree>
     <p:extLst>
       <p:ext uri="{BB962C8B-B14F-4D97-AF65-F5344CB8AC3E}">
-        <p14:creationId xmlns:p14="http://schemas.microsoft.com/office/powerpoint/2010/main" xmlns="" val="2969107899"/>
+        <p14:creationId xmlns:p14="http://schemas.microsoft.com/office/powerpoint/2010/main" xmlns="" val="253152089"/>
       </p:ext>
     </p:extLst>
   </p:cSld>
@@ -11042,28 +11442,1233 @@
             <p:ph type="title"/>
           </p:nvPr>
         </p:nvSpPr>
-        <p:spPr/>
+        <p:spPr>
+          <a:xfrm>
+            <a:off x="457200" y="226891"/>
+            <a:ext cx="8229600" cy="655320"/>
+          </a:xfrm>
+        </p:spPr>
         <p:txBody>
-          <a:bodyPr/>
+          <a:bodyPr>
+            <a:normAutofit fontScale="90000"/>
+          </a:bodyPr>
           <a:lstStyle/>
           <a:p>
             <a:r>
-              <a:rPr lang="da-DK" dirty="0" smtClean="0"/>
-              <a:t>LaTeX &gt; Word</a:t>
-            </a:r>
-            <a:endParaRPr lang="da-DK" dirty="0"/>
+              <a:rPr lang="en-US" dirty="0" smtClean="0"/>
+              <a:t>Binary Search</a:t>
+            </a:r>
+            <a:endParaRPr lang="en-US" dirty="0"/>
           </a:p>
         </p:txBody>
       </p:sp>
-      <p:pic>
-        <p:nvPicPr>
-          <p:cNvPr id="4" name="Content Placeholder 3" descr="miktex.gif"/>
-          <p:cNvPicPr>
-            <a:picLocks noGrp="1" noChangeAspect="1"/>
-          </p:cNvPicPr>
+      <p:sp>
+        <p:nvSpPr>
+          <p:cNvPr id="3" name="Content Placeholder 2"/>
+          <p:cNvSpPr>
+            <a:spLocks noGrp="1"/>
+          </p:cNvSpPr>
           <p:nvPr>
             <p:ph idx="1"/>
           </p:nvPr>
+        </p:nvSpPr>
+        <p:spPr>
+          <a:xfrm>
+            <a:off x="1951892" y="2032000"/>
+            <a:ext cx="5658338" cy="4094163"/>
+          </a:xfrm>
+        </p:spPr>
+        <p:txBody>
+          <a:bodyPr>
+            <a:normAutofit fontScale="92500"/>
+          </a:bodyPr>
+          <a:lstStyle/>
+          <a:p>
+            <a:pPr marL="0" indent="0">
+              <a:buNone/>
+            </a:pPr>
+            <a:r>
+              <a:rPr lang="en-US" dirty="0" smtClean="0">
+                <a:solidFill>
+                  <a:schemeClr val="bg1">
+                    <a:lumMod val="85000"/>
+                  </a:schemeClr>
+                </a:solidFill>
+              </a:rPr>
+              <a:t>min &lt;- 1</a:t>
+            </a:r>
+          </a:p>
+          <a:p>
+            <a:pPr marL="0" indent="0">
+              <a:buNone/>
+            </a:pPr>
+            <a:r>
+              <a:rPr lang="en-US" dirty="0" smtClean="0">
+                <a:solidFill>
+                  <a:schemeClr val="bg1">
+                    <a:lumMod val="85000"/>
+                  </a:schemeClr>
+                </a:solidFill>
+              </a:rPr>
+              <a:t>max &lt;- N</a:t>
+            </a:r>
+          </a:p>
+          <a:p>
+            <a:pPr marL="0" indent="0">
+              <a:buNone/>
+            </a:pPr>
+            <a:r>
+              <a:rPr lang="en-US" b="1" dirty="0" smtClean="0">
+                <a:solidFill>
+                  <a:schemeClr val="bg1">
+                    <a:lumMod val="85000"/>
+                  </a:schemeClr>
+                </a:solidFill>
+              </a:rPr>
+              <a:t>until </a:t>
+            </a:r>
+            <a:r>
+              <a:rPr lang="en-US" dirty="0" smtClean="0">
+                <a:solidFill>
+                  <a:schemeClr val="bg1">
+                    <a:lumMod val="85000"/>
+                  </a:schemeClr>
+                </a:solidFill>
+              </a:rPr>
+              <a:t>(</a:t>
+            </a:r>
+            <a:r>
+              <a:rPr lang="en-US" dirty="0" err="1" smtClean="0">
+                <a:solidFill>
+                  <a:schemeClr val="bg1">
+                    <a:lumMod val="85000"/>
+                  </a:schemeClr>
+                </a:solidFill>
+              </a:rPr>
+              <a:t>liste</a:t>
+            </a:r>
+            <a:r>
+              <a:rPr lang="en-US" dirty="0" smtClean="0">
+                <a:solidFill>
+                  <a:schemeClr val="bg1">
+                    <a:lumMod val="85000"/>
+                  </a:schemeClr>
+                </a:solidFill>
+              </a:rPr>
+              <a:t>[mid] = x) or (min &gt; max)</a:t>
+            </a:r>
+          </a:p>
+          <a:p>
+            <a:pPr marL="0" indent="0">
+              <a:buNone/>
+            </a:pPr>
+            <a:r>
+              <a:rPr lang="en-US" dirty="0" smtClean="0">
+                <a:solidFill>
+                  <a:schemeClr val="bg1">
+                    <a:lumMod val="85000"/>
+                  </a:schemeClr>
+                </a:solidFill>
+              </a:rPr>
+              <a:t>	mid &lt;- (max + min) / 2</a:t>
+            </a:r>
+          </a:p>
+          <a:p>
+            <a:pPr marL="0" indent="0">
+              <a:buNone/>
+            </a:pPr>
+            <a:r>
+              <a:rPr lang="en-US" dirty="0" smtClean="0">
+                <a:solidFill>
+                  <a:schemeClr val="bg1">
+                    <a:lumMod val="85000"/>
+                  </a:schemeClr>
+                </a:solidFill>
+              </a:rPr>
+              <a:t>	</a:t>
+            </a:r>
+            <a:r>
+              <a:rPr lang="en-US" b="1" dirty="0" smtClean="0">
+                <a:solidFill>
+                  <a:schemeClr val="bg1">
+                    <a:lumMod val="85000"/>
+                  </a:schemeClr>
+                </a:solidFill>
+              </a:rPr>
+              <a:t>if</a:t>
+            </a:r>
+            <a:r>
+              <a:rPr lang="en-US" dirty="0" smtClean="0">
+                <a:solidFill>
+                  <a:schemeClr val="bg1">
+                    <a:lumMod val="85000"/>
+                  </a:schemeClr>
+                </a:solidFill>
+              </a:rPr>
+              <a:t> x &gt; </a:t>
+            </a:r>
+            <a:r>
+              <a:rPr lang="en-US" dirty="0" err="1" smtClean="0">
+                <a:solidFill>
+                  <a:schemeClr val="bg1">
+                    <a:lumMod val="85000"/>
+                  </a:schemeClr>
+                </a:solidFill>
+              </a:rPr>
+              <a:t>liste</a:t>
+            </a:r>
+            <a:r>
+              <a:rPr lang="en-US" dirty="0" smtClean="0">
+                <a:solidFill>
+                  <a:schemeClr val="bg1">
+                    <a:lumMod val="85000"/>
+                  </a:schemeClr>
+                </a:solidFill>
+              </a:rPr>
+              <a:t>[mid] </a:t>
+            </a:r>
+            <a:r>
+              <a:rPr lang="en-US" b="1" dirty="0" smtClean="0">
+                <a:solidFill>
+                  <a:schemeClr val="bg1">
+                    <a:lumMod val="85000"/>
+                  </a:schemeClr>
+                </a:solidFill>
+              </a:rPr>
+              <a:t>then</a:t>
+            </a:r>
+          </a:p>
+          <a:p>
+            <a:pPr marL="0" indent="0">
+              <a:buNone/>
+            </a:pPr>
+            <a:r>
+              <a:rPr lang="en-US" dirty="0" smtClean="0">
+                <a:solidFill>
+                  <a:schemeClr val="bg1">
+                    <a:lumMod val="85000"/>
+                  </a:schemeClr>
+                </a:solidFill>
+              </a:rPr>
+              <a:t>		min &lt;- mid + 1</a:t>
+            </a:r>
+          </a:p>
+          <a:p>
+            <a:pPr marL="0" indent="0">
+              <a:buNone/>
+            </a:pPr>
+            <a:r>
+              <a:rPr lang="en-US" dirty="0" smtClean="0">
+                <a:solidFill>
+                  <a:schemeClr val="bg1">
+                    <a:lumMod val="85000"/>
+                  </a:schemeClr>
+                </a:solidFill>
+              </a:rPr>
+              <a:t>	</a:t>
+            </a:r>
+            <a:r>
+              <a:rPr lang="en-US" b="1" dirty="0" smtClean="0">
+                <a:solidFill>
+                  <a:schemeClr val="bg1">
+                    <a:lumMod val="85000"/>
+                  </a:schemeClr>
+                </a:solidFill>
+              </a:rPr>
+              <a:t>else </a:t>
+            </a:r>
+          </a:p>
+          <a:p>
+            <a:pPr marL="0" indent="0">
+              <a:buNone/>
+            </a:pPr>
+            <a:r>
+              <a:rPr lang="en-US" dirty="0" smtClean="0">
+                <a:solidFill>
+                  <a:schemeClr val="bg1">
+                    <a:lumMod val="85000"/>
+                  </a:schemeClr>
+                </a:solidFill>
+              </a:rPr>
+              <a:t>		max &lt;- mid – 1</a:t>
+            </a:r>
+          </a:p>
+          <a:p>
+            <a:pPr marL="0" indent="0">
+              <a:buNone/>
+            </a:pPr>
+            <a:r>
+              <a:rPr lang="en-US" b="1" dirty="0" smtClean="0">
+                <a:solidFill>
+                  <a:schemeClr val="bg1">
+                    <a:lumMod val="85000"/>
+                  </a:schemeClr>
+                </a:solidFill>
+              </a:rPr>
+              <a:t>repeat</a:t>
+            </a:r>
+            <a:endParaRPr lang="en-US" b="1" dirty="0">
+              <a:solidFill>
+                <a:schemeClr val="bg1">
+                  <a:lumMod val="85000"/>
+                </a:schemeClr>
+              </a:solidFill>
+            </a:endParaRPr>
+          </a:p>
+        </p:txBody>
+      </p:sp>
+      <p:graphicFrame>
+        <p:nvGraphicFramePr>
+          <p:cNvPr id="4" name="Table 3"/>
+          <p:cNvGraphicFramePr>
+            <a:graphicFrameLocks noGrp="1"/>
+          </p:cNvGraphicFramePr>
+          <p:nvPr>
+            <p:extLst>
+              <p:ext uri="{D42A27DB-BD31-4B8C-83A1-F6EECF244321}">
+                <p14:modId xmlns:p14="http://schemas.microsoft.com/office/powerpoint/2010/main" xmlns="" val="3320996825"/>
+              </p:ext>
+            </p:extLst>
+          </p:nvPr>
+        </p:nvGraphicFramePr>
+        <p:xfrm>
+          <a:off x="1187628" y="908720"/>
+          <a:ext cx="6720400" cy="975360"/>
+        </p:xfrm>
+        <a:graphic>
+          <a:graphicData uri="http://schemas.openxmlformats.org/drawingml/2006/table">
+            <a:tbl>
+              <a:tblPr firstRow="1" bandRow="1">
+                <a:tableStyleId>{5C22544A-7EE6-4342-B048-85BDC9FD1C3A}</a:tableStyleId>
+              </a:tblPr>
+              <a:tblGrid>
+                <a:gridCol w="672040"/>
+                <a:gridCol w="672040"/>
+                <a:gridCol w="672040"/>
+                <a:gridCol w="672040"/>
+                <a:gridCol w="672040"/>
+                <a:gridCol w="672040"/>
+                <a:gridCol w="672040"/>
+                <a:gridCol w="672040"/>
+                <a:gridCol w="672040"/>
+                <a:gridCol w="672040"/>
+              </a:tblGrid>
+              <a:tr h="370840">
+                <a:tc>
+                  <a:txBody>
+                    <a:bodyPr/>
+                    <a:lstStyle/>
+                    <a:p>
+                      <a:pPr algn="ctr"/>
+                      <a:r>
+                        <a:rPr lang="en-US" sz="2000" dirty="0" smtClean="0"/>
+                        <a:t>1</a:t>
+                      </a:r>
+                      <a:endParaRPr lang="en-US" sz="2000" dirty="0"/>
+                    </a:p>
+                  </a:txBody>
+                  <a:tcPr/>
+                </a:tc>
+                <a:tc>
+                  <a:txBody>
+                    <a:bodyPr/>
+                    <a:lstStyle/>
+                    <a:p>
+                      <a:pPr algn="ctr"/>
+                      <a:r>
+                        <a:rPr lang="en-US" sz="2000" dirty="0" smtClean="0"/>
+                        <a:t>2</a:t>
+                      </a:r>
+                      <a:endParaRPr lang="en-US" sz="2000" dirty="0"/>
+                    </a:p>
+                  </a:txBody>
+                  <a:tcPr/>
+                </a:tc>
+                <a:tc>
+                  <a:txBody>
+                    <a:bodyPr/>
+                    <a:lstStyle/>
+                    <a:p>
+                      <a:pPr algn="ctr"/>
+                      <a:r>
+                        <a:rPr lang="en-US" sz="2000" dirty="0" smtClean="0"/>
+                        <a:t>3</a:t>
+                      </a:r>
+                      <a:endParaRPr lang="en-US" sz="2000" dirty="0"/>
+                    </a:p>
+                  </a:txBody>
+                  <a:tcPr/>
+                </a:tc>
+                <a:tc>
+                  <a:txBody>
+                    <a:bodyPr/>
+                    <a:lstStyle/>
+                    <a:p>
+                      <a:pPr algn="ctr"/>
+                      <a:r>
+                        <a:rPr lang="en-US" sz="2000" dirty="0" smtClean="0"/>
+                        <a:t>4</a:t>
+                      </a:r>
+                      <a:endParaRPr lang="en-US" sz="2000" dirty="0"/>
+                    </a:p>
+                  </a:txBody>
+                  <a:tcPr/>
+                </a:tc>
+                <a:tc>
+                  <a:txBody>
+                    <a:bodyPr/>
+                    <a:lstStyle/>
+                    <a:p>
+                      <a:pPr algn="ctr"/>
+                      <a:r>
+                        <a:rPr lang="en-US" sz="2000" dirty="0" smtClean="0"/>
+                        <a:t>5</a:t>
+                      </a:r>
+                      <a:endParaRPr lang="en-US" sz="2000" dirty="0"/>
+                    </a:p>
+                  </a:txBody>
+                  <a:tcPr/>
+                </a:tc>
+                <a:tc>
+                  <a:txBody>
+                    <a:bodyPr/>
+                    <a:lstStyle/>
+                    <a:p>
+                      <a:pPr algn="ctr"/>
+                      <a:r>
+                        <a:rPr lang="en-US" sz="2000" dirty="0" smtClean="0"/>
+                        <a:t>6</a:t>
+                      </a:r>
+                      <a:endParaRPr lang="en-US" sz="2000" dirty="0"/>
+                    </a:p>
+                  </a:txBody>
+                  <a:tcPr/>
+                </a:tc>
+                <a:tc>
+                  <a:txBody>
+                    <a:bodyPr/>
+                    <a:lstStyle/>
+                    <a:p>
+                      <a:pPr algn="ctr"/>
+                      <a:r>
+                        <a:rPr lang="en-US" sz="2000" dirty="0" smtClean="0"/>
+                        <a:t>7</a:t>
+                      </a:r>
+                      <a:endParaRPr lang="en-US" sz="2000" dirty="0"/>
+                    </a:p>
+                  </a:txBody>
+                  <a:tcPr/>
+                </a:tc>
+                <a:tc>
+                  <a:txBody>
+                    <a:bodyPr/>
+                    <a:lstStyle/>
+                    <a:p>
+                      <a:pPr algn="ctr"/>
+                      <a:r>
+                        <a:rPr lang="en-US" sz="2000" dirty="0" smtClean="0"/>
+                        <a:t>8</a:t>
+                      </a:r>
+                      <a:endParaRPr lang="en-US" sz="2000" dirty="0"/>
+                    </a:p>
+                  </a:txBody>
+                  <a:tcPr/>
+                </a:tc>
+                <a:tc>
+                  <a:txBody>
+                    <a:bodyPr/>
+                    <a:lstStyle/>
+                    <a:p>
+                      <a:pPr algn="ctr"/>
+                      <a:r>
+                        <a:rPr lang="en-US" sz="2000" dirty="0" smtClean="0"/>
+                        <a:t>9</a:t>
+                      </a:r>
+                      <a:endParaRPr lang="en-US" sz="2000" dirty="0"/>
+                    </a:p>
+                  </a:txBody>
+                  <a:tcPr/>
+                </a:tc>
+                <a:tc>
+                  <a:txBody>
+                    <a:bodyPr/>
+                    <a:lstStyle/>
+                    <a:p>
+                      <a:pPr algn="ctr"/>
+                      <a:r>
+                        <a:rPr lang="en-US" sz="2000" dirty="0" smtClean="0"/>
+                        <a:t>10</a:t>
+                      </a:r>
+                      <a:endParaRPr lang="en-US" sz="2000" dirty="0"/>
+                    </a:p>
+                  </a:txBody>
+                  <a:tcPr/>
+                </a:tc>
+              </a:tr>
+              <a:tr h="370840">
+                <a:tc>
+                  <a:txBody>
+                    <a:bodyPr/>
+                    <a:lstStyle/>
+                    <a:p>
+                      <a:pPr algn="ctr"/>
+                      <a:r>
+                        <a:rPr lang="en-US" sz="3200" dirty="0" smtClean="0"/>
+                        <a:t>4</a:t>
+                      </a:r>
+                      <a:endParaRPr lang="en-US" sz="3200" dirty="0"/>
+                    </a:p>
+                  </a:txBody>
+                  <a:tcPr/>
+                </a:tc>
+                <a:tc>
+                  <a:txBody>
+                    <a:bodyPr/>
+                    <a:lstStyle/>
+                    <a:p>
+                      <a:pPr algn="ctr"/>
+                      <a:r>
+                        <a:rPr lang="en-US" sz="3200" dirty="0" smtClean="0"/>
+                        <a:t>9</a:t>
+                      </a:r>
+                      <a:endParaRPr lang="en-US" sz="3200" dirty="0"/>
+                    </a:p>
+                  </a:txBody>
+                  <a:tcPr/>
+                </a:tc>
+                <a:tc>
+                  <a:txBody>
+                    <a:bodyPr/>
+                    <a:lstStyle/>
+                    <a:p>
+                      <a:pPr algn="ctr"/>
+                      <a:r>
+                        <a:rPr lang="en-US" sz="3200" dirty="0" smtClean="0"/>
+                        <a:t>11</a:t>
+                      </a:r>
+                      <a:endParaRPr lang="en-US" sz="3200" dirty="0"/>
+                    </a:p>
+                  </a:txBody>
+                  <a:tcPr/>
+                </a:tc>
+                <a:tc>
+                  <a:txBody>
+                    <a:bodyPr/>
+                    <a:lstStyle/>
+                    <a:p>
+                      <a:pPr algn="ctr"/>
+                      <a:r>
+                        <a:rPr lang="en-US" sz="3200" dirty="0" smtClean="0"/>
+                        <a:t>16</a:t>
+                      </a:r>
+                      <a:endParaRPr lang="en-US" sz="3200" dirty="0"/>
+                    </a:p>
+                  </a:txBody>
+                  <a:tcPr/>
+                </a:tc>
+                <a:tc>
+                  <a:txBody>
+                    <a:bodyPr/>
+                    <a:lstStyle/>
+                    <a:p>
+                      <a:pPr algn="ctr"/>
+                      <a:r>
+                        <a:rPr lang="en-US" sz="3200" dirty="0" smtClean="0"/>
+                        <a:t>19</a:t>
+                      </a:r>
+                      <a:endParaRPr lang="en-US" sz="3200" dirty="0"/>
+                    </a:p>
+                  </a:txBody>
+                  <a:tcPr/>
+                </a:tc>
+                <a:tc>
+                  <a:txBody>
+                    <a:bodyPr/>
+                    <a:lstStyle/>
+                    <a:p>
+                      <a:pPr algn="ctr"/>
+                      <a:r>
+                        <a:rPr lang="en-US" sz="3200" dirty="0" smtClean="0"/>
+                        <a:t>26</a:t>
+                      </a:r>
+                      <a:endParaRPr lang="en-US" sz="3200" dirty="0"/>
+                    </a:p>
+                  </a:txBody>
+                  <a:tcPr/>
+                </a:tc>
+                <a:tc>
+                  <a:txBody>
+                    <a:bodyPr/>
+                    <a:lstStyle/>
+                    <a:p>
+                      <a:pPr algn="ctr"/>
+                      <a:r>
+                        <a:rPr lang="en-US" sz="3200" dirty="0" smtClean="0"/>
+                        <a:t>31</a:t>
+                      </a:r>
+                      <a:endParaRPr lang="en-US" sz="3200" dirty="0"/>
+                    </a:p>
+                  </a:txBody>
+                  <a:tcPr/>
+                </a:tc>
+                <a:tc>
+                  <a:txBody>
+                    <a:bodyPr/>
+                    <a:lstStyle/>
+                    <a:p>
+                      <a:pPr algn="ctr"/>
+                      <a:r>
+                        <a:rPr lang="en-US" sz="3200" dirty="0" smtClean="0"/>
+                        <a:t>49</a:t>
+                      </a:r>
+                      <a:endParaRPr lang="en-US" sz="3200" dirty="0"/>
+                    </a:p>
+                  </a:txBody>
+                  <a:tcPr/>
+                </a:tc>
+                <a:tc>
+                  <a:txBody>
+                    <a:bodyPr/>
+                    <a:lstStyle/>
+                    <a:p>
+                      <a:pPr algn="ctr"/>
+                      <a:r>
+                        <a:rPr lang="en-US" sz="3200" dirty="0" smtClean="0"/>
+                        <a:t>51</a:t>
+                      </a:r>
+                      <a:endParaRPr lang="en-US" sz="3200" dirty="0"/>
+                    </a:p>
+                  </a:txBody>
+                  <a:tcPr/>
+                </a:tc>
+                <a:tc>
+                  <a:txBody>
+                    <a:bodyPr/>
+                    <a:lstStyle/>
+                    <a:p>
+                      <a:pPr algn="ctr"/>
+                      <a:r>
+                        <a:rPr lang="en-US" sz="3200" dirty="0" smtClean="0"/>
+                        <a:t>67</a:t>
+                      </a:r>
+                      <a:endParaRPr lang="en-US" sz="3200" dirty="0"/>
+                    </a:p>
+                  </a:txBody>
+                  <a:tcPr/>
+                </a:tc>
+              </a:tr>
+            </a:tbl>
+          </a:graphicData>
+        </a:graphic>
+      </p:graphicFrame>
+    </p:spTree>
+    <p:extLst>
+      <p:ext uri="{BB962C8B-B14F-4D97-AF65-F5344CB8AC3E}">
+        <p14:creationId xmlns:p14="http://schemas.microsoft.com/office/powerpoint/2010/main" xmlns="" val="3220103693"/>
+      </p:ext>
+    </p:extLst>
+  </p:cSld>
+  <p:clrMapOvr>
+    <a:masterClrMapping/>
+  </p:clrMapOvr>
+  <p:timing>
+    <p:tnLst>
+      <p:par>
+        <p:cTn id="1" dur="indefinite" restart="never" nodeType="tmRoot"/>
+      </p:par>
+    </p:tnLst>
+  </p:timing>
+</p:sld>
+</file>
+
+<file path=ppt/slides/slide17.xml><?xml version="1.0" encoding="utf-8"?>
+<p:sld xmlns:a="http://schemas.openxmlformats.org/drawingml/2006/main" xmlns:r="http://schemas.openxmlformats.org/officeDocument/2006/relationships" xmlns:p="http://schemas.openxmlformats.org/presentationml/2006/main">
+  <p:cSld>
+    <p:spTree>
+      <p:nvGrpSpPr>
+        <p:cNvPr id="1" name=""/>
+        <p:cNvGrpSpPr/>
+        <p:nvPr/>
+      </p:nvGrpSpPr>
+      <p:grpSpPr>
+        <a:xfrm>
+          <a:off x="0" y="0"/>
+          <a:ext cx="0" cy="0"/>
+          <a:chOff x="0" y="0"/>
+          <a:chExt cx="0" cy="0"/>
+        </a:xfrm>
+      </p:grpSpPr>
+      <p:sp>
+        <p:nvSpPr>
+          <p:cNvPr id="2" name="Title 1"/>
+          <p:cNvSpPr>
+            <a:spLocks noGrp="1"/>
+          </p:cNvSpPr>
+          <p:nvPr>
+            <p:ph type="title"/>
+          </p:nvPr>
+        </p:nvSpPr>
+        <p:spPr>
+          <a:xfrm>
+            <a:off x="457200" y="226891"/>
+            <a:ext cx="8229600" cy="655320"/>
+          </a:xfrm>
+        </p:spPr>
+        <p:txBody>
+          <a:bodyPr>
+            <a:normAutofit fontScale="90000"/>
+          </a:bodyPr>
+          <a:lstStyle/>
+          <a:p>
+            <a:r>
+              <a:rPr lang="en-US" b="1" dirty="0" smtClean="0"/>
+              <a:t>Binary Search</a:t>
+            </a:r>
+            <a:endParaRPr lang="en-US" b="1" dirty="0"/>
+          </a:p>
+        </p:txBody>
+      </p:sp>
+      <p:sp>
+        <p:nvSpPr>
+          <p:cNvPr id="3" name="Content Placeholder 2"/>
+          <p:cNvSpPr>
+            <a:spLocks noGrp="1"/>
+          </p:cNvSpPr>
+          <p:nvPr>
+            <p:ph idx="1"/>
+          </p:nvPr>
+        </p:nvSpPr>
+        <p:spPr>
+          <a:xfrm>
+            <a:off x="1951892" y="2032000"/>
+            <a:ext cx="5658338" cy="4094163"/>
+          </a:xfrm>
+        </p:spPr>
+        <p:txBody>
+          <a:bodyPr>
+            <a:normAutofit fontScale="92500"/>
+          </a:bodyPr>
+          <a:lstStyle/>
+          <a:p>
+            <a:pPr marL="0" indent="0">
+              <a:buNone/>
+            </a:pPr>
+            <a:r>
+              <a:rPr lang="en-US" dirty="0" smtClean="0"/>
+              <a:t>min &lt;- 1</a:t>
+            </a:r>
+          </a:p>
+          <a:p>
+            <a:pPr marL="0" indent="0">
+              <a:buNone/>
+            </a:pPr>
+            <a:r>
+              <a:rPr lang="en-US" dirty="0" smtClean="0"/>
+              <a:t>max &lt;- N</a:t>
+            </a:r>
+          </a:p>
+          <a:p>
+            <a:pPr marL="0" indent="0">
+              <a:buNone/>
+            </a:pPr>
+            <a:r>
+              <a:rPr lang="en-US" b="1" dirty="0" smtClean="0"/>
+              <a:t>until </a:t>
+            </a:r>
+            <a:r>
+              <a:rPr lang="en-US" dirty="0" smtClean="0"/>
+              <a:t>(</a:t>
+            </a:r>
+            <a:r>
+              <a:rPr lang="en-US" dirty="0" err="1" smtClean="0"/>
+              <a:t>liste</a:t>
+            </a:r>
+            <a:r>
+              <a:rPr lang="en-US" dirty="0" smtClean="0"/>
+              <a:t>[mid] = x) or (min &gt; max)</a:t>
+            </a:r>
+          </a:p>
+          <a:p>
+            <a:pPr marL="0" indent="0">
+              <a:buNone/>
+            </a:pPr>
+            <a:r>
+              <a:rPr lang="en-US" dirty="0"/>
+              <a:t>	</a:t>
+            </a:r>
+            <a:r>
+              <a:rPr lang="en-US" dirty="0" smtClean="0"/>
+              <a:t>mid &lt;- (max + min) / 2</a:t>
+            </a:r>
+          </a:p>
+          <a:p>
+            <a:pPr marL="0" indent="0">
+              <a:buNone/>
+            </a:pPr>
+            <a:r>
+              <a:rPr lang="en-US" dirty="0" smtClean="0"/>
+              <a:t>	</a:t>
+            </a:r>
+            <a:r>
+              <a:rPr lang="en-US" b="1" dirty="0" smtClean="0"/>
+              <a:t>if</a:t>
+            </a:r>
+            <a:r>
+              <a:rPr lang="en-US" dirty="0" smtClean="0"/>
+              <a:t> x &gt; </a:t>
+            </a:r>
+            <a:r>
+              <a:rPr lang="en-US" dirty="0" err="1" smtClean="0"/>
+              <a:t>liste</a:t>
+            </a:r>
+            <a:r>
+              <a:rPr lang="en-US" dirty="0" smtClean="0"/>
+              <a:t>[mid] </a:t>
+            </a:r>
+            <a:r>
+              <a:rPr lang="en-US" b="1" dirty="0" smtClean="0"/>
+              <a:t>then</a:t>
+            </a:r>
+          </a:p>
+          <a:p>
+            <a:pPr marL="0" indent="0">
+              <a:buNone/>
+            </a:pPr>
+            <a:r>
+              <a:rPr lang="en-US" dirty="0"/>
+              <a:t>	</a:t>
+            </a:r>
+            <a:r>
+              <a:rPr lang="en-US" dirty="0" smtClean="0"/>
+              <a:t>	min &lt;- mid + 1</a:t>
+            </a:r>
+          </a:p>
+          <a:p>
+            <a:pPr marL="0" indent="0">
+              <a:buNone/>
+            </a:pPr>
+            <a:r>
+              <a:rPr lang="en-US" dirty="0"/>
+              <a:t>	</a:t>
+            </a:r>
+            <a:r>
+              <a:rPr lang="en-US" b="1" dirty="0" smtClean="0"/>
+              <a:t>else </a:t>
+            </a:r>
+          </a:p>
+          <a:p>
+            <a:pPr marL="0" indent="0">
+              <a:buNone/>
+            </a:pPr>
+            <a:r>
+              <a:rPr lang="en-US" dirty="0"/>
+              <a:t>	</a:t>
+            </a:r>
+            <a:r>
+              <a:rPr lang="en-US" dirty="0" smtClean="0"/>
+              <a:t>	max &lt;- mid – 1</a:t>
+            </a:r>
+          </a:p>
+          <a:p>
+            <a:pPr marL="0" indent="0">
+              <a:buNone/>
+            </a:pPr>
+            <a:r>
+              <a:rPr lang="en-US" b="1" dirty="0" smtClean="0"/>
+              <a:t>repeat</a:t>
+            </a:r>
+            <a:endParaRPr lang="en-US" b="1" dirty="0"/>
+          </a:p>
+        </p:txBody>
+      </p:sp>
+      <p:graphicFrame>
+        <p:nvGraphicFramePr>
+          <p:cNvPr id="4" name="Table 3"/>
+          <p:cNvGraphicFramePr>
+            <a:graphicFrameLocks noGrp="1"/>
+          </p:cNvGraphicFramePr>
+          <p:nvPr>
+            <p:extLst>
+              <p:ext uri="{D42A27DB-BD31-4B8C-83A1-F6EECF244321}">
+                <p14:modId xmlns:p14="http://schemas.microsoft.com/office/powerpoint/2010/main" xmlns="" val="4138734129"/>
+              </p:ext>
+            </p:extLst>
+          </p:nvPr>
+        </p:nvGraphicFramePr>
+        <p:xfrm>
+          <a:off x="1259630" y="882211"/>
+          <a:ext cx="6624740" cy="975360"/>
+        </p:xfrm>
+        <a:graphic>
+          <a:graphicData uri="http://schemas.openxmlformats.org/drawingml/2006/table">
+            <a:tbl>
+              <a:tblPr firstRow="1" bandRow="1">
+                <a:tableStyleId>{5C22544A-7EE6-4342-B048-85BDC9FD1C3A}</a:tableStyleId>
+              </a:tblPr>
+              <a:tblGrid>
+                <a:gridCol w="662474"/>
+                <a:gridCol w="662474"/>
+                <a:gridCol w="662474"/>
+                <a:gridCol w="662474"/>
+                <a:gridCol w="662474"/>
+                <a:gridCol w="662474"/>
+                <a:gridCol w="662474"/>
+                <a:gridCol w="662474"/>
+                <a:gridCol w="662474"/>
+                <a:gridCol w="662474"/>
+              </a:tblGrid>
+              <a:tr h="370840">
+                <a:tc>
+                  <a:txBody>
+                    <a:bodyPr/>
+                    <a:lstStyle/>
+                    <a:p>
+                      <a:pPr algn="ctr"/>
+                      <a:r>
+                        <a:rPr lang="en-US" sz="2000" dirty="0" smtClean="0"/>
+                        <a:t>1</a:t>
+                      </a:r>
+                      <a:endParaRPr lang="en-US" sz="2000" dirty="0"/>
+                    </a:p>
+                  </a:txBody>
+                  <a:tcPr/>
+                </a:tc>
+                <a:tc>
+                  <a:txBody>
+                    <a:bodyPr/>
+                    <a:lstStyle/>
+                    <a:p>
+                      <a:pPr algn="ctr"/>
+                      <a:r>
+                        <a:rPr lang="en-US" sz="2000" dirty="0" smtClean="0"/>
+                        <a:t>2</a:t>
+                      </a:r>
+                      <a:endParaRPr lang="en-US" sz="2000" dirty="0"/>
+                    </a:p>
+                  </a:txBody>
+                  <a:tcPr/>
+                </a:tc>
+                <a:tc>
+                  <a:txBody>
+                    <a:bodyPr/>
+                    <a:lstStyle/>
+                    <a:p>
+                      <a:pPr algn="ctr"/>
+                      <a:r>
+                        <a:rPr lang="en-US" sz="2000" dirty="0" smtClean="0"/>
+                        <a:t>3</a:t>
+                      </a:r>
+                      <a:endParaRPr lang="en-US" sz="2000" dirty="0"/>
+                    </a:p>
+                  </a:txBody>
+                  <a:tcPr/>
+                </a:tc>
+                <a:tc>
+                  <a:txBody>
+                    <a:bodyPr/>
+                    <a:lstStyle/>
+                    <a:p>
+                      <a:pPr algn="ctr"/>
+                      <a:r>
+                        <a:rPr lang="en-US" sz="2000" dirty="0" smtClean="0"/>
+                        <a:t>4</a:t>
+                      </a:r>
+                      <a:endParaRPr lang="en-US" sz="2000" dirty="0"/>
+                    </a:p>
+                  </a:txBody>
+                  <a:tcPr/>
+                </a:tc>
+                <a:tc>
+                  <a:txBody>
+                    <a:bodyPr/>
+                    <a:lstStyle/>
+                    <a:p>
+                      <a:pPr algn="ctr"/>
+                      <a:r>
+                        <a:rPr lang="en-US" sz="2000" dirty="0" smtClean="0"/>
+                        <a:t>5</a:t>
+                      </a:r>
+                      <a:endParaRPr lang="en-US" sz="2000" dirty="0"/>
+                    </a:p>
+                  </a:txBody>
+                  <a:tcPr/>
+                </a:tc>
+                <a:tc>
+                  <a:txBody>
+                    <a:bodyPr/>
+                    <a:lstStyle/>
+                    <a:p>
+                      <a:pPr algn="ctr"/>
+                      <a:r>
+                        <a:rPr lang="en-US" sz="2000" dirty="0" smtClean="0"/>
+                        <a:t>6</a:t>
+                      </a:r>
+                      <a:endParaRPr lang="en-US" sz="2000" dirty="0"/>
+                    </a:p>
+                  </a:txBody>
+                  <a:tcPr/>
+                </a:tc>
+                <a:tc>
+                  <a:txBody>
+                    <a:bodyPr/>
+                    <a:lstStyle/>
+                    <a:p>
+                      <a:pPr algn="ctr"/>
+                      <a:r>
+                        <a:rPr lang="en-US" sz="2000" dirty="0" smtClean="0"/>
+                        <a:t>7</a:t>
+                      </a:r>
+                      <a:endParaRPr lang="en-US" sz="2000" dirty="0"/>
+                    </a:p>
+                  </a:txBody>
+                  <a:tcPr/>
+                </a:tc>
+                <a:tc>
+                  <a:txBody>
+                    <a:bodyPr/>
+                    <a:lstStyle/>
+                    <a:p>
+                      <a:pPr algn="ctr"/>
+                      <a:r>
+                        <a:rPr lang="en-US" sz="2000" dirty="0" smtClean="0"/>
+                        <a:t>8</a:t>
+                      </a:r>
+                      <a:endParaRPr lang="en-US" sz="2000" dirty="0"/>
+                    </a:p>
+                  </a:txBody>
+                  <a:tcPr/>
+                </a:tc>
+                <a:tc>
+                  <a:txBody>
+                    <a:bodyPr/>
+                    <a:lstStyle/>
+                    <a:p>
+                      <a:pPr algn="ctr"/>
+                      <a:r>
+                        <a:rPr lang="en-US" sz="2000" dirty="0" smtClean="0"/>
+                        <a:t>9</a:t>
+                      </a:r>
+                      <a:endParaRPr lang="en-US" sz="2000" dirty="0"/>
+                    </a:p>
+                  </a:txBody>
+                  <a:tcPr/>
+                </a:tc>
+                <a:tc>
+                  <a:txBody>
+                    <a:bodyPr/>
+                    <a:lstStyle/>
+                    <a:p>
+                      <a:pPr algn="ctr"/>
+                      <a:r>
+                        <a:rPr lang="en-US" sz="2000" dirty="0" smtClean="0"/>
+                        <a:t>10</a:t>
+                      </a:r>
+                      <a:endParaRPr lang="en-US" sz="2000" dirty="0"/>
+                    </a:p>
+                  </a:txBody>
+                  <a:tcPr/>
+                </a:tc>
+              </a:tr>
+              <a:tr h="370840">
+                <a:tc>
+                  <a:txBody>
+                    <a:bodyPr/>
+                    <a:lstStyle/>
+                    <a:p>
+                      <a:pPr algn="ctr"/>
+                      <a:r>
+                        <a:rPr lang="en-US" sz="3200" dirty="0" smtClean="0"/>
+                        <a:t>4</a:t>
+                      </a:r>
+                      <a:endParaRPr lang="en-US" sz="3200" dirty="0"/>
+                    </a:p>
+                  </a:txBody>
+                  <a:tcPr/>
+                </a:tc>
+                <a:tc>
+                  <a:txBody>
+                    <a:bodyPr/>
+                    <a:lstStyle/>
+                    <a:p>
+                      <a:pPr algn="ctr"/>
+                      <a:r>
+                        <a:rPr lang="en-US" sz="3200" dirty="0" smtClean="0"/>
+                        <a:t>9</a:t>
+                      </a:r>
+                      <a:endParaRPr lang="en-US" sz="3200" dirty="0"/>
+                    </a:p>
+                  </a:txBody>
+                  <a:tcPr/>
+                </a:tc>
+                <a:tc>
+                  <a:txBody>
+                    <a:bodyPr/>
+                    <a:lstStyle/>
+                    <a:p>
+                      <a:pPr algn="ctr"/>
+                      <a:r>
+                        <a:rPr lang="en-US" sz="3200" dirty="0" smtClean="0"/>
+                        <a:t>11</a:t>
+                      </a:r>
+                      <a:endParaRPr lang="en-US" sz="3200" dirty="0"/>
+                    </a:p>
+                  </a:txBody>
+                  <a:tcPr/>
+                </a:tc>
+                <a:tc>
+                  <a:txBody>
+                    <a:bodyPr/>
+                    <a:lstStyle/>
+                    <a:p>
+                      <a:pPr algn="ctr"/>
+                      <a:r>
+                        <a:rPr lang="en-US" sz="3200" dirty="0" smtClean="0"/>
+                        <a:t>16</a:t>
+                      </a:r>
+                      <a:endParaRPr lang="en-US" sz="3200" dirty="0"/>
+                    </a:p>
+                  </a:txBody>
+                  <a:tcPr/>
+                </a:tc>
+                <a:tc>
+                  <a:txBody>
+                    <a:bodyPr/>
+                    <a:lstStyle/>
+                    <a:p>
+                      <a:pPr algn="ctr"/>
+                      <a:r>
+                        <a:rPr lang="en-US" sz="3200" dirty="0" smtClean="0"/>
+                        <a:t>19</a:t>
+                      </a:r>
+                      <a:endParaRPr lang="en-US" sz="3200" dirty="0"/>
+                    </a:p>
+                  </a:txBody>
+                  <a:tcPr/>
+                </a:tc>
+                <a:tc>
+                  <a:txBody>
+                    <a:bodyPr/>
+                    <a:lstStyle/>
+                    <a:p>
+                      <a:pPr algn="ctr"/>
+                      <a:r>
+                        <a:rPr lang="en-US" sz="3200" dirty="0" smtClean="0"/>
+                        <a:t>26</a:t>
+                      </a:r>
+                      <a:endParaRPr lang="en-US" sz="3200" dirty="0"/>
+                    </a:p>
+                  </a:txBody>
+                  <a:tcPr/>
+                </a:tc>
+                <a:tc>
+                  <a:txBody>
+                    <a:bodyPr/>
+                    <a:lstStyle/>
+                    <a:p>
+                      <a:pPr algn="ctr"/>
+                      <a:r>
+                        <a:rPr lang="en-US" sz="3200" dirty="0" smtClean="0"/>
+                        <a:t>31</a:t>
+                      </a:r>
+                      <a:endParaRPr lang="en-US" sz="3200" dirty="0"/>
+                    </a:p>
+                  </a:txBody>
+                  <a:tcPr/>
+                </a:tc>
+                <a:tc>
+                  <a:txBody>
+                    <a:bodyPr/>
+                    <a:lstStyle/>
+                    <a:p>
+                      <a:pPr algn="ctr"/>
+                      <a:r>
+                        <a:rPr lang="en-US" sz="3200" dirty="0" smtClean="0"/>
+                        <a:t>49</a:t>
+                      </a:r>
+                      <a:endParaRPr lang="en-US" sz="3200" dirty="0"/>
+                    </a:p>
+                  </a:txBody>
+                  <a:tcPr/>
+                </a:tc>
+                <a:tc>
+                  <a:txBody>
+                    <a:bodyPr/>
+                    <a:lstStyle/>
+                    <a:p>
+                      <a:pPr algn="ctr"/>
+                      <a:r>
+                        <a:rPr lang="en-US" sz="3200" dirty="0" smtClean="0"/>
+                        <a:t>51</a:t>
+                      </a:r>
+                      <a:endParaRPr lang="en-US" sz="3200" dirty="0"/>
+                    </a:p>
+                  </a:txBody>
+                  <a:tcPr/>
+                </a:tc>
+                <a:tc>
+                  <a:txBody>
+                    <a:bodyPr/>
+                    <a:lstStyle/>
+                    <a:p>
+                      <a:pPr algn="ctr"/>
+                      <a:r>
+                        <a:rPr lang="en-US" sz="3200" dirty="0" smtClean="0"/>
+                        <a:t>67</a:t>
+                      </a:r>
+                      <a:endParaRPr lang="en-US" sz="3200" dirty="0"/>
+                    </a:p>
+                  </a:txBody>
+                  <a:tcPr/>
+                </a:tc>
+              </a:tr>
+            </a:tbl>
+          </a:graphicData>
+        </a:graphic>
+      </p:graphicFrame>
+    </p:spTree>
+    <p:extLst>
+      <p:ext uri="{BB962C8B-B14F-4D97-AF65-F5344CB8AC3E}">
+        <p14:creationId xmlns:p14="http://schemas.microsoft.com/office/powerpoint/2010/main" xmlns="" val="2598763183"/>
+      </p:ext>
+    </p:extLst>
+  </p:cSld>
+  <p:clrMapOvr>
+    <a:masterClrMapping/>
+  </p:clrMapOvr>
+  <p:timing>
+    <p:tnLst>
+      <p:par>
+        <p:cTn id="1" dur="indefinite" restart="never" nodeType="tmRoot"/>
+      </p:par>
+    </p:tnLst>
+  </p:timing>
+</p:sld>
+</file>
+
+<file path=ppt/slides/slide18.xml><?xml version="1.0" encoding="utf-8"?>
+<p:sld xmlns:a="http://schemas.openxmlformats.org/drawingml/2006/main" xmlns:r="http://schemas.openxmlformats.org/officeDocument/2006/relationships" xmlns:p="http://schemas.openxmlformats.org/presentationml/2006/main">
+  <p:cSld>
+    <p:spTree>
+      <p:nvGrpSpPr>
+        <p:cNvPr id="1" name=""/>
+        <p:cNvGrpSpPr/>
+        <p:nvPr/>
+      </p:nvGrpSpPr>
+      <p:grpSpPr>
+        <a:xfrm>
+          <a:off x="0" y="0"/>
+          <a:ext cx="0" cy="0"/>
+          <a:chOff x="0" y="0"/>
+          <a:chExt cx="0" cy="0"/>
+        </a:xfrm>
+      </p:grpSpPr>
+      <p:pic>
+        <p:nvPicPr>
+          <p:cNvPr id="5" name="Picture 4" descr="Untitled-1.png"/>
+          <p:cNvPicPr>
+            <a:picLocks noChangeAspect="1"/>
+          </p:cNvPicPr>
+          <p:nvPr/>
         </p:nvPicPr>
         <p:blipFill>
           <a:blip r:embed="rId2" cstate="print"/>
@@ -11073,12 +12678,230 @@
         </p:blipFill>
         <p:spPr>
           <a:xfrm>
-            <a:off x="1905000" y="2316163"/>
-            <a:ext cx="5334000" cy="4191000"/>
+            <a:off x="6516216" y="620688"/>
+            <a:ext cx="2311111" cy="2374603"/>
           </a:xfrm>
+          <a:prstGeom prst="rect">
+            <a:avLst/>
+          </a:prstGeom>
+        </p:spPr>
+      </p:pic>
+      <p:sp>
+        <p:nvSpPr>
+          <p:cNvPr id="2" name="Title 1"/>
+          <p:cNvSpPr>
+            <a:spLocks noGrp="1"/>
+          </p:cNvSpPr>
+          <p:nvPr>
+            <p:ph type="title"/>
+          </p:nvPr>
+        </p:nvSpPr>
+        <p:spPr>
+          <a:xfrm>
+            <a:off x="395536" y="836712"/>
+            <a:ext cx="8229600" cy="1066800"/>
+          </a:xfrm>
+        </p:spPr>
+        <p:txBody>
+          <a:bodyPr>
+            <a:normAutofit fontScale="90000"/>
+          </a:bodyPr>
+          <a:lstStyle/>
+          <a:p>
+            <a:r>
+              <a:rPr lang="en-US" dirty="0" err="1" smtClean="0"/>
+              <a:t>Sortering</a:t>
+            </a:r>
+            <a:r>
+              <a:rPr lang="en-US" dirty="0"/>
+              <a:t>!</a:t>
+            </a:r>
+            <a:r>
+              <a:rPr lang="en-US" dirty="0" smtClean="0"/>
+              <a:t/>
+            </a:r>
+            <a:br>
+              <a:rPr lang="en-US" dirty="0" smtClean="0"/>
+            </a:br>
+            <a:r>
+              <a:rPr lang="en-US" dirty="0" smtClean="0"/>
+              <a:t>Insertion Sort</a:t>
+            </a:r>
+            <a:endParaRPr lang="en-US" dirty="0"/>
+          </a:p>
+        </p:txBody>
+      </p:sp>
+      <p:pic>
+        <p:nvPicPr>
+          <p:cNvPr id="6" name="Picture 5" descr="Untitled-1.jpg"/>
+          <p:cNvPicPr>
+            <a:picLocks noChangeAspect="1"/>
+          </p:cNvPicPr>
+          <p:nvPr/>
+        </p:nvPicPr>
+        <p:blipFill>
+          <a:blip r:embed="rId3" cstate="print">
+            <a:alphaModFix/>
+            <a:extLst>
+              <a:ext uri="{28A0092B-C50C-407E-A947-70E740481C1C}">
+                <a14:useLocalDpi xmlns:a14="http://schemas.microsoft.com/office/drawing/2010/main" xmlns="" val="0"/>
+              </a:ext>
+            </a:extLst>
+          </a:blip>
+          <a:stretch>
+            <a:fillRect/>
+          </a:stretch>
+        </p:blipFill>
+        <p:spPr>
+          <a:xfrm>
+            <a:off x="254001" y="1954824"/>
+            <a:ext cx="8675047" cy="4404946"/>
+          </a:xfrm>
+          <a:prstGeom prst="rect">
+            <a:avLst/>
+          </a:prstGeom>
+          <a:ln>
+            <a:solidFill>
+              <a:schemeClr val="tx1"/>
+            </a:solidFill>
+          </a:ln>
         </p:spPr>
       </p:pic>
     </p:spTree>
+    <p:extLst>
+      <p:ext uri="{BB962C8B-B14F-4D97-AF65-F5344CB8AC3E}">
+        <p14:creationId xmlns:p14="http://schemas.microsoft.com/office/powerpoint/2010/main" xmlns="" val="4179264593"/>
+      </p:ext>
+    </p:extLst>
+  </p:cSld>
+  <p:clrMapOvr>
+    <a:masterClrMapping/>
+  </p:clrMapOvr>
+  <p:timing>
+    <p:tnLst>
+      <p:par>
+        <p:cTn id="1" dur="indefinite" restart="never" nodeType="tmRoot"/>
+      </p:par>
+    </p:tnLst>
+  </p:timing>
+</p:sld>
+</file>
+
+<file path=ppt/slides/slide19.xml><?xml version="1.0" encoding="utf-8"?>
+<p:sld xmlns:a="http://schemas.openxmlformats.org/drawingml/2006/main" xmlns:r="http://schemas.openxmlformats.org/officeDocument/2006/relationships" xmlns:p="http://schemas.openxmlformats.org/presentationml/2006/main">
+  <p:cSld>
+    <p:spTree>
+      <p:nvGrpSpPr>
+        <p:cNvPr id="1" name=""/>
+        <p:cNvGrpSpPr/>
+        <p:nvPr/>
+      </p:nvGrpSpPr>
+      <p:grpSpPr>
+        <a:xfrm>
+          <a:off x="0" y="0"/>
+          <a:ext cx="0" cy="0"/>
+          <a:chOff x="0" y="0"/>
+          <a:chExt cx="0" cy="0"/>
+        </a:xfrm>
+      </p:grpSpPr>
+      <p:sp>
+        <p:nvSpPr>
+          <p:cNvPr id="2" name="Title 1"/>
+          <p:cNvSpPr>
+            <a:spLocks noGrp="1"/>
+          </p:cNvSpPr>
+          <p:nvPr>
+            <p:ph type="title"/>
+          </p:nvPr>
+        </p:nvSpPr>
+        <p:spPr/>
+        <p:txBody>
+          <a:bodyPr/>
+          <a:lstStyle/>
+          <a:p>
+            <a:r>
+              <a:rPr lang="en-US" dirty="0" smtClean="0"/>
+              <a:t>Insertion sort complexity</a:t>
+            </a:r>
+            <a:endParaRPr lang="en-US" dirty="0"/>
+          </a:p>
+        </p:txBody>
+      </p:sp>
+      <p:sp>
+        <p:nvSpPr>
+          <p:cNvPr id="3" name="Content Placeholder 2"/>
+          <p:cNvSpPr>
+            <a:spLocks noGrp="1"/>
+          </p:cNvSpPr>
+          <p:nvPr>
+            <p:ph idx="1"/>
+          </p:nvPr>
+        </p:nvSpPr>
+        <p:spPr/>
+        <p:txBody>
+          <a:bodyPr/>
+          <a:lstStyle/>
+          <a:p>
+            <a:pPr marL="0" indent="0" algn="ctr">
+              <a:buNone/>
+            </a:pPr>
+            <a:r>
+              <a:rPr lang="en-US" sz="8000" dirty="0" smtClean="0"/>
+              <a:t>N</a:t>
+            </a:r>
+            <a:r>
+              <a:rPr lang="en-US" sz="8000" baseline="30000" dirty="0" smtClean="0"/>
+              <a:t>2</a:t>
+            </a:r>
+            <a:r>
+              <a:rPr lang="en-US" sz="8000" dirty="0" smtClean="0"/>
+              <a:t> </a:t>
+            </a:r>
+            <a:r>
+              <a:rPr lang="en-US" sz="6600" dirty="0" err="1" smtClean="0"/>
+              <a:t>bereginger</a:t>
+            </a:r>
+            <a:endParaRPr lang="en-US" sz="6600" baseline="30000" dirty="0" smtClean="0"/>
+          </a:p>
+          <a:p>
+            <a:pPr marL="0" indent="0">
+              <a:buNone/>
+            </a:pPr>
+            <a:endParaRPr lang="en-US" baseline="30000" dirty="0"/>
+          </a:p>
+          <a:p>
+            <a:pPr marL="0" indent="0" algn="ctr">
+              <a:buNone/>
+            </a:pPr>
+            <a:r>
+              <a:rPr lang="en-US" dirty="0" smtClean="0"/>
+              <a:t>10</a:t>
+            </a:r>
+            <a:r>
+              <a:rPr lang="en-US" baseline="30000" dirty="0" smtClean="0"/>
+              <a:t>2</a:t>
+            </a:r>
+            <a:r>
+              <a:rPr lang="en-US" dirty="0" smtClean="0"/>
+              <a:t> = 100 </a:t>
+            </a:r>
+            <a:r>
+              <a:rPr lang="en-US" dirty="0" err="1" smtClean="0"/>
+              <a:t>beregninger</a:t>
+            </a:r>
+            <a:r>
+              <a:rPr lang="en-US" dirty="0" smtClean="0"/>
+              <a:t>!!</a:t>
+            </a:r>
+          </a:p>
+        </p:txBody>
+      </p:sp>
+    </p:spTree>
+    <p:extLst>
+      <p:ext uri="{BB962C8B-B14F-4D97-AF65-F5344CB8AC3E}">
+        <p14:creationId xmlns:p14="http://schemas.microsoft.com/office/powerpoint/2010/main" xmlns="" val="2118395846"/>
+      </p:ext>
+    </p:extLst>
   </p:cSld>
   <p:clrMapOvr>
     <a:masterClrMapping/>
@@ -11168,35 +12991,14 @@
           <a:p>
             <a:r>
               <a:rPr lang="da-DK" dirty="0" smtClean="0"/>
-              <a:t>10.45-11.00 	Bo </a:t>
-            </a:r>
+              <a:t>10.45-11.00 	Bo fra F-klub</a:t>
+            </a:r>
+          </a:p>
+          <a:p>
             <a:r>
               <a:rPr lang="da-DK" dirty="0" smtClean="0"/>
-              <a:t>fra </a:t>
-            </a:r>
-            <a:r>
-              <a:rPr lang="da-DK" dirty="0" smtClean="0"/>
-              <a:t>F-klub</a:t>
-            </a:r>
-          </a:p>
-          <a:p>
-            <a:r>
-              <a:rPr lang="da-DK" dirty="0" smtClean="0"/>
-              <a:t>11.00-11.15 </a:t>
-            </a:r>
-            <a:r>
-              <a:rPr lang="da-DK" dirty="0" smtClean="0"/>
-              <a:t>	</a:t>
-            </a:r>
-            <a:r>
-              <a:rPr lang="da-DK" dirty="0" smtClean="0"/>
-              <a:t>Fremvisning </a:t>
-            </a:r>
-            <a:r>
-              <a:rPr lang="da-DK" dirty="0" smtClean="0"/>
-              <a:t>af servere</a:t>
-            </a:r>
-            <a:endParaRPr lang="da-DK" dirty="0" smtClean="0"/>
+              <a:t>11.00-11.15 	Fremvisning af servere</a:t>
+            </a:r>
           </a:p>
           <a:p>
             <a:r>
@@ -11222,9 +13024,1096 @@
     </p:spTree>
     <p:extLst>
       <p:ext uri="{BB962C8B-B14F-4D97-AF65-F5344CB8AC3E}">
-        <p14:creationId xmlns:p14="http://schemas.microsoft.com/office/powerpoint/2010/main" xmlns="" val="3503375056"/>
+        <p14:creationId xmlns="" xmlns:p14="http://schemas.microsoft.com/office/powerpoint/2010/main" val="3503375056"/>
       </p:ext>
     </p:extLst>
+  </p:cSld>
+  <p:clrMapOvr>
+    <a:masterClrMapping/>
+  </p:clrMapOvr>
+  <p:timing>
+    <p:tnLst>
+      <p:par>
+        <p:cTn id="1" dur="indefinite" restart="never" nodeType="tmRoot"/>
+      </p:par>
+    </p:tnLst>
+  </p:timing>
+</p:sld>
+</file>
+
+<file path=ppt/slides/slide20.xml><?xml version="1.0" encoding="utf-8"?>
+<p:sld xmlns:a="http://schemas.openxmlformats.org/drawingml/2006/main" xmlns:r="http://schemas.openxmlformats.org/officeDocument/2006/relationships" xmlns:p="http://schemas.openxmlformats.org/presentationml/2006/main">
+  <p:cSld>
+    <p:spTree>
+      <p:nvGrpSpPr>
+        <p:cNvPr id="1" name=""/>
+        <p:cNvGrpSpPr/>
+        <p:nvPr/>
+      </p:nvGrpSpPr>
+      <p:grpSpPr>
+        <a:xfrm>
+          <a:off x="0" y="0"/>
+          <a:ext cx="0" cy="0"/>
+          <a:chOff x="0" y="0"/>
+          <a:chExt cx="0" cy="0"/>
+        </a:xfrm>
+      </p:grpSpPr>
+      <p:sp>
+        <p:nvSpPr>
+          <p:cNvPr id="2" name="Title 1"/>
+          <p:cNvSpPr>
+            <a:spLocks noGrp="1"/>
+          </p:cNvSpPr>
+          <p:nvPr>
+            <p:ph type="title"/>
+          </p:nvPr>
+        </p:nvSpPr>
+        <p:spPr>
+          <a:xfrm>
+            <a:off x="457199" y="274638"/>
+            <a:ext cx="8229600" cy="1143000"/>
+          </a:xfrm>
+        </p:spPr>
+        <p:txBody>
+          <a:bodyPr>
+            <a:normAutofit/>
+          </a:bodyPr>
+          <a:lstStyle/>
+          <a:p>
+            <a:r>
+              <a:rPr lang="en-US" dirty="0" smtClean="0"/>
+              <a:t>Merge Sort!</a:t>
+            </a:r>
+            <a:br>
+              <a:rPr lang="en-US" dirty="0" smtClean="0"/>
+            </a:br>
+            <a:r>
+              <a:rPr lang="en-US" sz="1600" dirty="0" smtClean="0"/>
+              <a:t>http://</a:t>
+            </a:r>
+            <a:r>
+              <a:rPr lang="en-US" sz="1600" dirty="0" err="1" smtClean="0"/>
+              <a:t>www.youtube.com</a:t>
+            </a:r>
+            <a:r>
+              <a:rPr lang="en-US" sz="1600" dirty="0" smtClean="0"/>
+              <a:t>/</a:t>
+            </a:r>
+            <a:r>
+              <a:rPr lang="en-US" sz="1600" dirty="0" err="1" smtClean="0"/>
+              <a:t>watch?v</a:t>
+            </a:r>
+            <a:r>
+              <a:rPr lang="en-US" sz="1600" dirty="0" smtClean="0"/>
+              <a:t>=GCae1WNvnZM</a:t>
+            </a:r>
+            <a:endParaRPr lang="en-US" sz="3200" dirty="0"/>
+          </a:p>
+        </p:txBody>
+      </p:sp>
+      <p:sp>
+        <p:nvSpPr>
+          <p:cNvPr id="4" name="Content Placeholder 3"/>
+          <p:cNvSpPr>
+            <a:spLocks noGrp="1"/>
+          </p:cNvSpPr>
+          <p:nvPr>
+            <p:ph idx="1"/>
+          </p:nvPr>
+        </p:nvSpPr>
+        <p:spPr>
+          <a:xfrm>
+            <a:off x="4708769" y="1778000"/>
+            <a:ext cx="3634154" cy="4348163"/>
+          </a:xfrm>
+        </p:spPr>
+        <p:txBody>
+          <a:bodyPr>
+            <a:normAutofit fontScale="47500" lnSpcReduction="20000"/>
+          </a:bodyPr>
+          <a:lstStyle/>
+          <a:p>
+            <a:pPr marL="0" indent="0">
+              <a:buNone/>
+            </a:pPr>
+            <a:r>
+              <a:rPr lang="en-US" dirty="0" smtClean="0"/>
+              <a:t>function merge(</a:t>
+            </a:r>
+            <a:r>
+              <a:rPr lang="en-US" dirty="0" err="1" smtClean="0"/>
+              <a:t>left,right</a:t>
+            </a:r>
+            <a:r>
+              <a:rPr lang="en-US" dirty="0" smtClean="0"/>
+              <a:t>)</a:t>
+            </a:r>
+          </a:p>
+          <a:p>
+            <a:pPr marL="0" indent="0">
+              <a:buNone/>
+            </a:pPr>
+            <a:r>
+              <a:rPr lang="en-US" dirty="0" smtClean="0"/>
+              <a:t>    </a:t>
+            </a:r>
+            <a:r>
+              <a:rPr lang="en-US" dirty="0" err="1" smtClean="0"/>
+              <a:t>var</a:t>
+            </a:r>
+            <a:r>
+              <a:rPr lang="en-US" dirty="0" smtClean="0"/>
+              <a:t> list result</a:t>
+            </a:r>
+          </a:p>
+          <a:p>
+            <a:pPr marL="0" indent="0">
+              <a:buNone/>
+            </a:pPr>
+            <a:r>
+              <a:rPr lang="en-US" dirty="0" smtClean="0"/>
+              <a:t>    while length(left) &gt; 0 or length(right) &gt; 0</a:t>
+            </a:r>
+          </a:p>
+          <a:p>
+            <a:pPr marL="0" indent="0">
+              <a:buNone/>
+            </a:pPr>
+            <a:r>
+              <a:rPr lang="en-US" dirty="0" smtClean="0"/>
+              <a:t>        if length(left) &gt; 0 and length(right) &gt; 0</a:t>
+            </a:r>
+          </a:p>
+          <a:p>
+            <a:pPr marL="0" indent="0">
+              <a:buNone/>
+            </a:pPr>
+            <a:r>
+              <a:rPr lang="en-US" dirty="0" smtClean="0"/>
+              <a:t>            if first(left) ≤ first(right)</a:t>
+            </a:r>
+          </a:p>
+          <a:p>
+            <a:pPr marL="0" indent="0">
+              <a:buNone/>
+            </a:pPr>
+            <a:r>
+              <a:rPr lang="en-US" dirty="0" smtClean="0"/>
+              <a:t>                append first(left) to result</a:t>
+            </a:r>
+          </a:p>
+          <a:p>
+            <a:pPr marL="0" indent="0">
+              <a:buNone/>
+            </a:pPr>
+            <a:r>
+              <a:rPr lang="en-US" dirty="0" smtClean="0"/>
+              <a:t>                left = rest(left)</a:t>
+            </a:r>
+          </a:p>
+          <a:p>
+            <a:pPr marL="0" indent="0">
+              <a:buNone/>
+            </a:pPr>
+            <a:r>
+              <a:rPr lang="en-US" dirty="0" smtClean="0"/>
+              <a:t>            else</a:t>
+            </a:r>
+          </a:p>
+          <a:p>
+            <a:pPr marL="0" indent="0">
+              <a:buNone/>
+            </a:pPr>
+            <a:r>
+              <a:rPr lang="en-US" dirty="0" smtClean="0"/>
+              <a:t>                append first(right) to result</a:t>
+            </a:r>
+          </a:p>
+          <a:p>
+            <a:pPr marL="0" indent="0">
+              <a:buNone/>
+            </a:pPr>
+            <a:r>
+              <a:rPr lang="en-US" dirty="0" smtClean="0"/>
+              <a:t>                right = rest(right)</a:t>
+            </a:r>
+          </a:p>
+          <a:p>
+            <a:pPr marL="0" indent="0">
+              <a:buNone/>
+            </a:pPr>
+            <a:r>
+              <a:rPr lang="en-US" dirty="0" smtClean="0"/>
+              <a:t>        else if length(left) &gt; 0</a:t>
+            </a:r>
+          </a:p>
+          <a:p>
+            <a:pPr marL="0" indent="0">
+              <a:buNone/>
+            </a:pPr>
+            <a:r>
+              <a:rPr lang="en-US" dirty="0" smtClean="0"/>
+              <a:t>            append left to result</a:t>
+            </a:r>
+          </a:p>
+          <a:p>
+            <a:pPr marL="0" indent="0">
+              <a:buNone/>
+            </a:pPr>
+            <a:r>
+              <a:rPr lang="en-US" dirty="0" smtClean="0"/>
+              <a:t>            break             </a:t>
+            </a:r>
+          </a:p>
+          <a:p>
+            <a:pPr marL="0" indent="0">
+              <a:buNone/>
+            </a:pPr>
+            <a:r>
+              <a:rPr lang="en-US" dirty="0" smtClean="0"/>
+              <a:t>        else if length(right) &gt; 0</a:t>
+            </a:r>
+          </a:p>
+          <a:p>
+            <a:pPr marL="0" indent="0">
+              <a:buNone/>
+            </a:pPr>
+            <a:r>
+              <a:rPr lang="en-US" dirty="0" smtClean="0"/>
+              <a:t>            append right to result</a:t>
+            </a:r>
+          </a:p>
+          <a:p>
+            <a:pPr marL="0" indent="0">
+              <a:buNone/>
+            </a:pPr>
+            <a:r>
+              <a:rPr lang="en-US" dirty="0" smtClean="0"/>
+              <a:t>            break</a:t>
+            </a:r>
+          </a:p>
+          <a:p>
+            <a:pPr marL="0" indent="0">
+              <a:buNone/>
+            </a:pPr>
+            <a:r>
+              <a:rPr lang="en-US" dirty="0" smtClean="0"/>
+              <a:t>    end while</a:t>
+            </a:r>
+          </a:p>
+          <a:p>
+            <a:pPr marL="0" indent="0">
+              <a:buNone/>
+            </a:pPr>
+            <a:r>
+              <a:rPr lang="en-US" dirty="0" smtClean="0"/>
+              <a:t>    return result</a:t>
+            </a:r>
+            <a:endParaRPr lang="en-US" dirty="0"/>
+          </a:p>
+        </p:txBody>
+      </p:sp>
+      <p:sp>
+        <p:nvSpPr>
+          <p:cNvPr id="5" name="Content Placeholder 2"/>
+          <p:cNvSpPr txBox="1">
+            <a:spLocks/>
+          </p:cNvSpPr>
+          <p:nvPr/>
+        </p:nvSpPr>
+        <p:spPr>
+          <a:xfrm>
+            <a:off x="4884614" y="1778000"/>
+            <a:ext cx="3802185" cy="4348163"/>
+          </a:xfrm>
+          <a:prstGeom prst="rect">
+            <a:avLst/>
+          </a:prstGeom>
+        </p:spPr>
+        <p:txBody>
+          <a:bodyPr vert="horz" lIns="91440" tIns="45720" rIns="91440" bIns="45720" rtlCol="0">
+            <a:normAutofit/>
+          </a:bodyPr>
+          <a:lstStyle>
+            <a:lvl1pPr marL="342900" indent="-342900" algn="l" defTabSz="457200" rtl="0" eaLnBrk="1" latinLnBrk="0" hangingPunct="1">
+              <a:spcBef>
+                <a:spcPct val="20000"/>
+              </a:spcBef>
+              <a:buFont typeface="Arial"/>
+              <a:buChar char="•"/>
+              <a:defRPr sz="3200" kern="1200">
+                <a:solidFill>
+                  <a:schemeClr val="tx1"/>
+                </a:solidFill>
+                <a:latin typeface="+mn-lt"/>
+                <a:ea typeface="+mn-ea"/>
+                <a:cs typeface="+mn-cs"/>
+              </a:defRPr>
+            </a:lvl1pPr>
+            <a:lvl2pPr marL="742950" indent="-285750" algn="l" defTabSz="457200" rtl="0" eaLnBrk="1" latinLnBrk="0" hangingPunct="1">
+              <a:spcBef>
+                <a:spcPct val="20000"/>
+              </a:spcBef>
+              <a:buFont typeface="Arial"/>
+              <a:buChar char="–"/>
+              <a:defRPr sz="2800" kern="1200">
+                <a:solidFill>
+                  <a:schemeClr val="tx1"/>
+                </a:solidFill>
+                <a:latin typeface="+mn-lt"/>
+                <a:ea typeface="+mn-ea"/>
+                <a:cs typeface="+mn-cs"/>
+              </a:defRPr>
+            </a:lvl2pPr>
+            <a:lvl3pPr marL="1143000" indent="-228600" algn="l" defTabSz="457200" rtl="0" eaLnBrk="1" latinLnBrk="0" hangingPunct="1">
+              <a:spcBef>
+                <a:spcPct val="20000"/>
+              </a:spcBef>
+              <a:buFont typeface="Arial"/>
+              <a:buChar char="•"/>
+              <a:defRPr sz="2400" kern="1200">
+                <a:solidFill>
+                  <a:schemeClr val="tx1"/>
+                </a:solidFill>
+                <a:latin typeface="+mn-lt"/>
+                <a:ea typeface="+mn-ea"/>
+                <a:cs typeface="+mn-cs"/>
+              </a:defRPr>
+            </a:lvl3pPr>
+            <a:lvl4pPr marL="1600200" indent="-228600" algn="l" defTabSz="457200" rtl="0" eaLnBrk="1" latinLnBrk="0" hangingPunct="1">
+              <a:spcBef>
+                <a:spcPct val="20000"/>
+              </a:spcBef>
+              <a:buFont typeface="Arial"/>
+              <a:buChar char="–"/>
+              <a:defRPr sz="2000" kern="1200">
+                <a:solidFill>
+                  <a:schemeClr val="tx1"/>
+                </a:solidFill>
+                <a:latin typeface="+mn-lt"/>
+                <a:ea typeface="+mn-ea"/>
+                <a:cs typeface="+mn-cs"/>
+              </a:defRPr>
+            </a:lvl4pPr>
+            <a:lvl5pPr marL="2057400" indent="-228600" algn="l" defTabSz="457200" rtl="0" eaLnBrk="1" latinLnBrk="0" hangingPunct="1">
+              <a:spcBef>
+                <a:spcPct val="20000"/>
+              </a:spcBef>
+              <a:buFont typeface="Arial"/>
+              <a:buChar char="»"/>
+              <a:defRPr sz="2000" kern="1200">
+                <a:solidFill>
+                  <a:schemeClr val="tx1"/>
+                </a:solidFill>
+                <a:latin typeface="+mn-lt"/>
+                <a:ea typeface="+mn-ea"/>
+                <a:cs typeface="+mn-cs"/>
+              </a:defRPr>
+            </a:lvl5pPr>
+            <a:lvl6pPr marL="2514600" indent="-228600" algn="l" defTabSz="457200" rtl="0" eaLnBrk="1" latinLnBrk="0" hangingPunct="1">
+              <a:spcBef>
+                <a:spcPct val="20000"/>
+              </a:spcBef>
+              <a:buFont typeface="Arial"/>
+              <a:buChar char="•"/>
+              <a:defRPr sz="2000" kern="1200">
+                <a:solidFill>
+                  <a:schemeClr val="tx1"/>
+                </a:solidFill>
+                <a:latin typeface="+mn-lt"/>
+                <a:ea typeface="+mn-ea"/>
+                <a:cs typeface="+mn-cs"/>
+              </a:defRPr>
+            </a:lvl6pPr>
+            <a:lvl7pPr marL="2971800" indent="-228600" algn="l" defTabSz="457200" rtl="0" eaLnBrk="1" latinLnBrk="0" hangingPunct="1">
+              <a:spcBef>
+                <a:spcPct val="20000"/>
+              </a:spcBef>
+              <a:buFont typeface="Arial"/>
+              <a:buChar char="•"/>
+              <a:defRPr sz="2000" kern="1200">
+                <a:solidFill>
+                  <a:schemeClr val="tx1"/>
+                </a:solidFill>
+                <a:latin typeface="+mn-lt"/>
+                <a:ea typeface="+mn-ea"/>
+                <a:cs typeface="+mn-cs"/>
+              </a:defRPr>
+            </a:lvl7pPr>
+            <a:lvl8pPr marL="3429000" indent="-228600" algn="l" defTabSz="457200" rtl="0" eaLnBrk="1" latinLnBrk="0" hangingPunct="1">
+              <a:spcBef>
+                <a:spcPct val="20000"/>
+              </a:spcBef>
+              <a:buFont typeface="Arial"/>
+              <a:buChar char="•"/>
+              <a:defRPr sz="2000" kern="1200">
+                <a:solidFill>
+                  <a:schemeClr val="tx1"/>
+                </a:solidFill>
+                <a:latin typeface="+mn-lt"/>
+                <a:ea typeface="+mn-ea"/>
+                <a:cs typeface="+mn-cs"/>
+              </a:defRPr>
+            </a:lvl8pPr>
+            <a:lvl9pPr marL="3886200" indent="-228600" algn="l" defTabSz="457200" rtl="0" eaLnBrk="1" latinLnBrk="0" hangingPunct="1">
+              <a:spcBef>
+                <a:spcPct val="20000"/>
+              </a:spcBef>
+              <a:buFont typeface="Arial"/>
+              <a:buChar char="•"/>
+              <a:defRPr sz="2000" kern="1200">
+                <a:solidFill>
+                  <a:schemeClr val="tx1"/>
+                </a:solidFill>
+                <a:latin typeface="+mn-lt"/>
+                <a:ea typeface="+mn-ea"/>
+                <a:cs typeface="+mn-cs"/>
+              </a:defRPr>
+            </a:lvl9pPr>
+          </a:lstStyle>
+          <a:p>
+            <a:pPr marL="0" indent="0">
+              <a:buFont typeface="Arial"/>
+              <a:buNone/>
+            </a:pPr>
+            <a:endParaRPr lang="en-US" dirty="0"/>
+          </a:p>
+        </p:txBody>
+      </p:sp>
+      <p:sp>
+        <p:nvSpPr>
+          <p:cNvPr id="6" name="Content Placeholder 2"/>
+          <p:cNvSpPr txBox="1">
+            <a:spLocks/>
+          </p:cNvSpPr>
+          <p:nvPr/>
+        </p:nvSpPr>
+        <p:spPr>
+          <a:xfrm>
+            <a:off x="679937" y="1754553"/>
+            <a:ext cx="3911601" cy="4348163"/>
+          </a:xfrm>
+          <a:prstGeom prst="rect">
+            <a:avLst/>
+          </a:prstGeom>
+        </p:spPr>
+        <p:txBody>
+          <a:bodyPr vert="horz" lIns="91440" tIns="45720" rIns="91440" bIns="45720" rtlCol="0">
+            <a:normAutofit fontScale="55000" lnSpcReduction="20000"/>
+          </a:bodyPr>
+          <a:lstStyle>
+            <a:lvl1pPr marL="342900" indent="-342900" algn="l" defTabSz="457200" rtl="0" eaLnBrk="1" latinLnBrk="0" hangingPunct="1">
+              <a:spcBef>
+                <a:spcPct val="20000"/>
+              </a:spcBef>
+              <a:buFont typeface="Arial"/>
+              <a:buChar char="•"/>
+              <a:defRPr sz="3200" kern="1200">
+                <a:solidFill>
+                  <a:schemeClr val="tx1"/>
+                </a:solidFill>
+                <a:latin typeface="+mn-lt"/>
+                <a:ea typeface="+mn-ea"/>
+                <a:cs typeface="+mn-cs"/>
+              </a:defRPr>
+            </a:lvl1pPr>
+            <a:lvl2pPr marL="742950" indent="-285750" algn="l" defTabSz="457200" rtl="0" eaLnBrk="1" latinLnBrk="0" hangingPunct="1">
+              <a:spcBef>
+                <a:spcPct val="20000"/>
+              </a:spcBef>
+              <a:buFont typeface="Arial"/>
+              <a:buChar char="–"/>
+              <a:defRPr sz="2800" kern="1200">
+                <a:solidFill>
+                  <a:schemeClr val="tx1"/>
+                </a:solidFill>
+                <a:latin typeface="+mn-lt"/>
+                <a:ea typeface="+mn-ea"/>
+                <a:cs typeface="+mn-cs"/>
+              </a:defRPr>
+            </a:lvl2pPr>
+            <a:lvl3pPr marL="1143000" indent="-228600" algn="l" defTabSz="457200" rtl="0" eaLnBrk="1" latinLnBrk="0" hangingPunct="1">
+              <a:spcBef>
+                <a:spcPct val="20000"/>
+              </a:spcBef>
+              <a:buFont typeface="Arial"/>
+              <a:buChar char="•"/>
+              <a:defRPr sz="2400" kern="1200">
+                <a:solidFill>
+                  <a:schemeClr val="tx1"/>
+                </a:solidFill>
+                <a:latin typeface="+mn-lt"/>
+                <a:ea typeface="+mn-ea"/>
+                <a:cs typeface="+mn-cs"/>
+              </a:defRPr>
+            </a:lvl3pPr>
+            <a:lvl4pPr marL="1600200" indent="-228600" algn="l" defTabSz="457200" rtl="0" eaLnBrk="1" latinLnBrk="0" hangingPunct="1">
+              <a:spcBef>
+                <a:spcPct val="20000"/>
+              </a:spcBef>
+              <a:buFont typeface="Arial"/>
+              <a:buChar char="–"/>
+              <a:defRPr sz="2000" kern="1200">
+                <a:solidFill>
+                  <a:schemeClr val="tx1"/>
+                </a:solidFill>
+                <a:latin typeface="+mn-lt"/>
+                <a:ea typeface="+mn-ea"/>
+                <a:cs typeface="+mn-cs"/>
+              </a:defRPr>
+            </a:lvl4pPr>
+            <a:lvl5pPr marL="2057400" indent="-228600" algn="l" defTabSz="457200" rtl="0" eaLnBrk="1" latinLnBrk="0" hangingPunct="1">
+              <a:spcBef>
+                <a:spcPct val="20000"/>
+              </a:spcBef>
+              <a:buFont typeface="Arial"/>
+              <a:buChar char="»"/>
+              <a:defRPr sz="2000" kern="1200">
+                <a:solidFill>
+                  <a:schemeClr val="tx1"/>
+                </a:solidFill>
+                <a:latin typeface="+mn-lt"/>
+                <a:ea typeface="+mn-ea"/>
+                <a:cs typeface="+mn-cs"/>
+              </a:defRPr>
+            </a:lvl5pPr>
+            <a:lvl6pPr marL="2514600" indent="-228600" algn="l" defTabSz="457200" rtl="0" eaLnBrk="1" latinLnBrk="0" hangingPunct="1">
+              <a:spcBef>
+                <a:spcPct val="20000"/>
+              </a:spcBef>
+              <a:buFont typeface="Arial"/>
+              <a:buChar char="•"/>
+              <a:defRPr sz="2000" kern="1200">
+                <a:solidFill>
+                  <a:schemeClr val="tx1"/>
+                </a:solidFill>
+                <a:latin typeface="+mn-lt"/>
+                <a:ea typeface="+mn-ea"/>
+                <a:cs typeface="+mn-cs"/>
+              </a:defRPr>
+            </a:lvl6pPr>
+            <a:lvl7pPr marL="2971800" indent="-228600" algn="l" defTabSz="457200" rtl="0" eaLnBrk="1" latinLnBrk="0" hangingPunct="1">
+              <a:spcBef>
+                <a:spcPct val="20000"/>
+              </a:spcBef>
+              <a:buFont typeface="Arial"/>
+              <a:buChar char="•"/>
+              <a:defRPr sz="2000" kern="1200">
+                <a:solidFill>
+                  <a:schemeClr val="tx1"/>
+                </a:solidFill>
+                <a:latin typeface="+mn-lt"/>
+                <a:ea typeface="+mn-ea"/>
+                <a:cs typeface="+mn-cs"/>
+              </a:defRPr>
+            </a:lvl7pPr>
+            <a:lvl8pPr marL="3429000" indent="-228600" algn="l" defTabSz="457200" rtl="0" eaLnBrk="1" latinLnBrk="0" hangingPunct="1">
+              <a:spcBef>
+                <a:spcPct val="20000"/>
+              </a:spcBef>
+              <a:buFont typeface="Arial"/>
+              <a:buChar char="•"/>
+              <a:defRPr sz="2000" kern="1200">
+                <a:solidFill>
+                  <a:schemeClr val="tx1"/>
+                </a:solidFill>
+                <a:latin typeface="+mn-lt"/>
+                <a:ea typeface="+mn-ea"/>
+                <a:cs typeface="+mn-cs"/>
+              </a:defRPr>
+            </a:lvl8pPr>
+            <a:lvl9pPr marL="3886200" indent="-228600" algn="l" defTabSz="457200" rtl="0" eaLnBrk="1" latinLnBrk="0" hangingPunct="1">
+              <a:spcBef>
+                <a:spcPct val="20000"/>
+              </a:spcBef>
+              <a:buFont typeface="Arial"/>
+              <a:buChar char="•"/>
+              <a:defRPr sz="2000" kern="1200">
+                <a:solidFill>
+                  <a:schemeClr val="tx1"/>
+                </a:solidFill>
+                <a:latin typeface="+mn-lt"/>
+                <a:ea typeface="+mn-ea"/>
+                <a:cs typeface="+mn-cs"/>
+              </a:defRPr>
+            </a:lvl9pPr>
+          </a:lstStyle>
+          <a:p>
+            <a:pPr marL="0" indent="0">
+              <a:buFont typeface="Arial"/>
+              <a:buNone/>
+            </a:pPr>
+            <a:r>
+              <a:rPr lang="en-US" dirty="0" smtClean="0"/>
+              <a:t>function </a:t>
+            </a:r>
+            <a:r>
+              <a:rPr lang="en-US" dirty="0" err="1" smtClean="0"/>
+              <a:t>merge_sort</a:t>
+            </a:r>
+            <a:r>
+              <a:rPr lang="en-US" dirty="0" smtClean="0"/>
+              <a:t>(m)</a:t>
+            </a:r>
+          </a:p>
+          <a:p>
+            <a:pPr marL="0" indent="0">
+              <a:buFont typeface="Arial"/>
+              <a:buNone/>
+            </a:pPr>
+            <a:r>
+              <a:rPr lang="en-US" dirty="0" smtClean="0"/>
+              <a:t>    if length(m) ≤ 1</a:t>
+            </a:r>
+          </a:p>
+          <a:p>
+            <a:pPr marL="0" indent="0">
+              <a:buFont typeface="Arial"/>
+              <a:buNone/>
+            </a:pPr>
+            <a:r>
+              <a:rPr lang="en-US" dirty="0" smtClean="0"/>
+              <a:t>        return m</a:t>
+            </a:r>
+          </a:p>
+          <a:p>
+            <a:pPr marL="0" indent="0">
+              <a:buFont typeface="Arial"/>
+              <a:buNone/>
+            </a:pPr>
+            <a:r>
+              <a:rPr lang="en-US" dirty="0" smtClean="0"/>
+              <a:t>    </a:t>
+            </a:r>
+            <a:r>
+              <a:rPr lang="en-US" dirty="0" err="1" smtClean="0"/>
+              <a:t>var</a:t>
+            </a:r>
+            <a:r>
+              <a:rPr lang="en-US" dirty="0" smtClean="0"/>
+              <a:t> list left, right, result</a:t>
+            </a:r>
+          </a:p>
+          <a:p>
+            <a:pPr marL="0" indent="0">
+              <a:buFont typeface="Arial"/>
+              <a:buNone/>
+            </a:pPr>
+            <a:endParaRPr lang="en-US" dirty="0" smtClean="0"/>
+          </a:p>
+          <a:p>
+            <a:pPr marL="0" indent="0">
+              <a:buFont typeface="Arial"/>
+              <a:buNone/>
+            </a:pPr>
+            <a:r>
+              <a:rPr lang="en-US" dirty="0" smtClean="0"/>
+              <a:t>    </a:t>
+            </a:r>
+            <a:r>
+              <a:rPr lang="en-US" dirty="0" err="1" smtClean="0"/>
+              <a:t>var</a:t>
+            </a:r>
+            <a:r>
+              <a:rPr lang="en-US" dirty="0" smtClean="0"/>
+              <a:t> integer middle = length(m) /2</a:t>
+            </a:r>
+          </a:p>
+          <a:p>
+            <a:pPr marL="0" indent="0">
+              <a:buFont typeface="Arial"/>
+              <a:buNone/>
+            </a:pPr>
+            <a:r>
+              <a:rPr lang="en-US" dirty="0" smtClean="0"/>
+              <a:t>    for each x in m up to middle</a:t>
+            </a:r>
+          </a:p>
+          <a:p>
+            <a:pPr marL="0" indent="0">
+              <a:buFont typeface="Arial"/>
+              <a:buNone/>
+            </a:pPr>
+            <a:r>
+              <a:rPr lang="en-US" dirty="0" smtClean="0"/>
+              <a:t>         add x to left</a:t>
+            </a:r>
+          </a:p>
+          <a:p>
+            <a:pPr marL="0" indent="0">
+              <a:buFont typeface="Arial"/>
+              <a:buNone/>
+            </a:pPr>
+            <a:r>
+              <a:rPr lang="en-US" dirty="0" smtClean="0"/>
+              <a:t>    for each x in m after middle</a:t>
+            </a:r>
+          </a:p>
+          <a:p>
+            <a:pPr marL="0" indent="0">
+              <a:buFont typeface="Arial"/>
+              <a:buNone/>
+            </a:pPr>
+            <a:r>
+              <a:rPr lang="en-US" dirty="0" smtClean="0"/>
+              <a:t>         add x to right</a:t>
+            </a:r>
+          </a:p>
+          <a:p>
+            <a:pPr marL="0" indent="0">
+              <a:buFont typeface="Arial"/>
+              <a:buNone/>
+            </a:pPr>
+            <a:r>
+              <a:rPr lang="en-US" dirty="0" smtClean="0"/>
+              <a:t>    left = </a:t>
+            </a:r>
+            <a:r>
+              <a:rPr lang="en-US" dirty="0" err="1" smtClean="0"/>
+              <a:t>merge_sort</a:t>
+            </a:r>
+            <a:r>
+              <a:rPr lang="en-US" dirty="0" smtClean="0"/>
+              <a:t>(left)</a:t>
+            </a:r>
+          </a:p>
+          <a:p>
+            <a:pPr marL="0" indent="0">
+              <a:buFont typeface="Arial"/>
+              <a:buNone/>
+            </a:pPr>
+            <a:r>
+              <a:rPr lang="en-US" dirty="0" smtClean="0"/>
+              <a:t>    right = </a:t>
+            </a:r>
+            <a:r>
+              <a:rPr lang="en-US" dirty="0" err="1" smtClean="0"/>
+              <a:t>merge_sort</a:t>
+            </a:r>
+            <a:r>
+              <a:rPr lang="en-US" dirty="0" smtClean="0"/>
+              <a:t>(right)</a:t>
+            </a:r>
+          </a:p>
+          <a:p>
+            <a:pPr marL="0" indent="0">
+              <a:buFont typeface="Arial"/>
+              <a:buNone/>
+            </a:pPr>
+            <a:r>
+              <a:rPr lang="en-US" dirty="0" smtClean="0"/>
+              <a:t>    result = merge(left, right)</a:t>
+            </a:r>
+          </a:p>
+          <a:p>
+            <a:pPr marL="0" indent="0">
+              <a:buFont typeface="Arial"/>
+              <a:buNone/>
+            </a:pPr>
+            <a:r>
+              <a:rPr lang="en-US" dirty="0" smtClean="0"/>
+              <a:t>    return result</a:t>
+            </a:r>
+            <a:endParaRPr lang="en-US" dirty="0"/>
+          </a:p>
+        </p:txBody>
+      </p:sp>
+    </p:spTree>
+    <p:extLst>
+      <p:ext uri="{BB962C8B-B14F-4D97-AF65-F5344CB8AC3E}">
+        <p14:creationId xmlns:p14="http://schemas.microsoft.com/office/powerpoint/2010/main" xmlns="" val="652373932"/>
+      </p:ext>
+    </p:extLst>
+  </p:cSld>
+  <p:clrMapOvr>
+    <a:masterClrMapping/>
+  </p:clrMapOvr>
+  <p:timing>
+    <p:tnLst>
+      <p:par>
+        <p:cTn id="1" dur="indefinite" restart="never" nodeType="tmRoot"/>
+      </p:par>
+    </p:tnLst>
+  </p:timing>
+</p:sld>
+</file>
+
+<file path=ppt/slides/slide21.xml><?xml version="1.0" encoding="utf-8"?>
+<p:sld xmlns:a="http://schemas.openxmlformats.org/drawingml/2006/main" xmlns:r="http://schemas.openxmlformats.org/officeDocument/2006/relationships" xmlns:p="http://schemas.openxmlformats.org/presentationml/2006/main">
+  <p:cSld>
+    <p:spTree>
+      <p:nvGrpSpPr>
+        <p:cNvPr id="1" name=""/>
+        <p:cNvGrpSpPr/>
+        <p:nvPr/>
+      </p:nvGrpSpPr>
+      <p:grpSpPr>
+        <a:xfrm>
+          <a:off x="0" y="0"/>
+          <a:ext cx="0" cy="0"/>
+          <a:chOff x="0" y="0"/>
+          <a:chExt cx="0" cy="0"/>
+        </a:xfrm>
+      </p:grpSpPr>
+      <p:sp>
+        <p:nvSpPr>
+          <p:cNvPr id="2" name="Title 1"/>
+          <p:cNvSpPr>
+            <a:spLocks noGrp="1"/>
+          </p:cNvSpPr>
+          <p:nvPr>
+            <p:ph type="title"/>
+          </p:nvPr>
+        </p:nvSpPr>
+        <p:spPr/>
+        <p:txBody>
+          <a:bodyPr/>
+          <a:lstStyle/>
+          <a:p>
+            <a:r>
+              <a:rPr lang="en-US" dirty="0" smtClean="0"/>
+              <a:t>Merge sort complexity</a:t>
+            </a:r>
+            <a:endParaRPr lang="en-US" dirty="0"/>
+          </a:p>
+        </p:txBody>
+      </p:sp>
+      <p:sp>
+        <p:nvSpPr>
+          <p:cNvPr id="3" name="Content Placeholder 2"/>
+          <p:cNvSpPr>
+            <a:spLocks noGrp="1"/>
+          </p:cNvSpPr>
+          <p:nvPr>
+            <p:ph idx="1"/>
+          </p:nvPr>
+        </p:nvSpPr>
+        <p:spPr/>
+        <p:txBody>
+          <a:bodyPr/>
+          <a:lstStyle/>
+          <a:p>
+            <a:pPr marL="0" indent="0" algn="ctr">
+              <a:buNone/>
+            </a:pPr>
+            <a:r>
+              <a:rPr lang="en-US" sz="6600" dirty="0" smtClean="0"/>
+              <a:t>n*log</a:t>
+            </a:r>
+            <a:r>
+              <a:rPr lang="en-US" sz="6600" baseline="-25000" dirty="0" smtClean="0"/>
+              <a:t>2</a:t>
+            </a:r>
+            <a:r>
+              <a:rPr lang="en-US" sz="6600" dirty="0" smtClean="0"/>
+              <a:t>(n) </a:t>
+            </a:r>
+            <a:r>
+              <a:rPr lang="en-US" sz="6600" dirty="0" err="1" smtClean="0"/>
+              <a:t>bereginger</a:t>
+            </a:r>
+            <a:endParaRPr lang="en-US" sz="6600" dirty="0" smtClean="0"/>
+          </a:p>
+          <a:p>
+            <a:pPr marL="0" indent="0">
+              <a:buNone/>
+            </a:pPr>
+            <a:endParaRPr lang="en-US" baseline="30000" dirty="0"/>
+          </a:p>
+          <a:p>
+            <a:pPr marL="0" indent="0" algn="ctr">
+              <a:buNone/>
+            </a:pPr>
+            <a:r>
+              <a:rPr lang="en-US" dirty="0" smtClean="0"/>
+              <a:t>10*log</a:t>
+            </a:r>
+            <a:r>
+              <a:rPr lang="en-US" baseline="-25000" dirty="0" smtClean="0"/>
+              <a:t>2</a:t>
+            </a:r>
+            <a:r>
+              <a:rPr lang="en-US" dirty="0" smtClean="0"/>
+              <a:t>(10) = 33,219 </a:t>
+            </a:r>
+            <a:r>
+              <a:rPr lang="en-US" dirty="0" err="1" smtClean="0"/>
+              <a:t>beregninger</a:t>
+            </a:r>
+            <a:r>
+              <a:rPr lang="en-US" dirty="0" smtClean="0"/>
+              <a:t>!!</a:t>
+            </a:r>
+          </a:p>
+        </p:txBody>
+      </p:sp>
+    </p:spTree>
+    <p:extLst>
+      <p:ext uri="{BB962C8B-B14F-4D97-AF65-F5344CB8AC3E}">
+        <p14:creationId xmlns:p14="http://schemas.microsoft.com/office/powerpoint/2010/main" xmlns="" val="2812040178"/>
+      </p:ext>
+    </p:extLst>
+  </p:cSld>
+  <p:clrMapOvr>
+    <a:masterClrMapping/>
+  </p:clrMapOvr>
+  <p:timing>
+    <p:tnLst>
+      <p:par>
+        <p:cTn id="1" dur="indefinite" restart="never" nodeType="tmRoot"/>
+      </p:par>
+    </p:tnLst>
+  </p:timing>
+</p:sld>
+</file>
+
+<file path=ppt/slides/slide22.xml><?xml version="1.0" encoding="utf-8"?>
+<p:sld xmlns:a="http://schemas.openxmlformats.org/drawingml/2006/main" xmlns:r="http://schemas.openxmlformats.org/officeDocument/2006/relationships" xmlns:p="http://schemas.openxmlformats.org/presentationml/2006/main">
+  <p:cSld>
+    <p:spTree>
+      <p:nvGrpSpPr>
+        <p:cNvPr id="1" name=""/>
+        <p:cNvGrpSpPr/>
+        <p:nvPr/>
+      </p:nvGrpSpPr>
+      <p:grpSpPr>
+        <a:xfrm>
+          <a:off x="0" y="0"/>
+          <a:ext cx="0" cy="0"/>
+          <a:chOff x="0" y="0"/>
+          <a:chExt cx="0" cy="0"/>
+        </a:xfrm>
+      </p:grpSpPr>
+      <p:sp>
+        <p:nvSpPr>
+          <p:cNvPr id="2" name="Title 1"/>
+          <p:cNvSpPr>
+            <a:spLocks noGrp="1"/>
+          </p:cNvSpPr>
+          <p:nvPr>
+            <p:ph type="title"/>
+          </p:nvPr>
+        </p:nvSpPr>
+        <p:spPr/>
+        <p:txBody>
+          <a:bodyPr/>
+          <a:lstStyle/>
+          <a:p>
+            <a:r>
+              <a:rPr lang="da-DK" dirty="0" smtClean="0"/>
+              <a:t>Professor spillet</a:t>
+            </a:r>
+            <a:endParaRPr lang="da-DK" dirty="0"/>
+          </a:p>
+        </p:txBody>
+      </p:sp>
+      <p:pic>
+        <p:nvPicPr>
+          <p:cNvPr id="4" name="Content Placeholder 3" descr="300-ProfessorSpilletNy.jpg"/>
+          <p:cNvPicPr>
+            <a:picLocks noGrp="1" noChangeAspect="1"/>
+          </p:cNvPicPr>
+          <p:nvPr>
+            <p:ph idx="1"/>
+          </p:nvPr>
+        </p:nvPicPr>
+        <p:blipFill>
+          <a:blip r:embed="rId2" cstate="print"/>
+          <a:stretch>
+            <a:fillRect/>
+          </a:stretch>
+        </p:blipFill>
+        <p:spPr>
+          <a:xfrm>
+            <a:off x="1907704" y="2132856"/>
+            <a:ext cx="5328592" cy="4298398"/>
+          </a:xfrm>
+        </p:spPr>
+      </p:pic>
+    </p:spTree>
+    <p:extLst>
+      <p:ext uri="{BB962C8B-B14F-4D97-AF65-F5344CB8AC3E}">
+        <p14:creationId xmlns="" xmlns:p14="http://schemas.microsoft.com/office/powerpoint/2010/main" val="2944548465"/>
+      </p:ext>
+    </p:extLst>
+  </p:cSld>
+  <p:clrMapOvr>
+    <a:masterClrMapping/>
+  </p:clrMapOvr>
+  <p:timing>
+    <p:tnLst>
+      <p:par>
+        <p:cTn id="1" dur="indefinite" restart="never" nodeType="tmRoot"/>
+      </p:par>
+    </p:tnLst>
+  </p:timing>
+</p:sld>
+</file>
+
+<file path=ppt/slides/slide23.xml><?xml version="1.0" encoding="utf-8"?>
+<p:sld xmlns:a="http://schemas.openxmlformats.org/drawingml/2006/main" xmlns:r="http://schemas.openxmlformats.org/officeDocument/2006/relationships" xmlns:p="http://schemas.openxmlformats.org/presentationml/2006/main">
+  <p:cSld>
+    <p:spTree>
+      <p:nvGrpSpPr>
+        <p:cNvPr id="1" name=""/>
+        <p:cNvGrpSpPr/>
+        <p:nvPr/>
+      </p:nvGrpSpPr>
+      <p:grpSpPr>
+        <a:xfrm>
+          <a:off x="0" y="0"/>
+          <a:ext cx="0" cy="0"/>
+          <a:chOff x="0" y="0"/>
+          <a:chExt cx="0" cy="0"/>
+        </a:xfrm>
+      </p:grpSpPr>
+      <p:sp>
+        <p:nvSpPr>
+          <p:cNvPr id="2" name="Title 1"/>
+          <p:cNvSpPr>
+            <a:spLocks noGrp="1"/>
+          </p:cNvSpPr>
+          <p:nvPr>
+            <p:ph type="title"/>
+          </p:nvPr>
+        </p:nvSpPr>
+        <p:spPr/>
+        <p:txBody>
+          <a:bodyPr/>
+          <a:lstStyle/>
+          <a:p>
+            <a:r>
+              <a:rPr lang="da-DK" dirty="0" smtClean="0"/>
+              <a:t>LaTeX &gt; Word</a:t>
+            </a:r>
+            <a:endParaRPr lang="da-DK" dirty="0"/>
+          </a:p>
+        </p:txBody>
+      </p:sp>
+      <p:pic>
+        <p:nvPicPr>
+          <p:cNvPr id="4" name="Content Placeholder 3" descr="miktex.gif"/>
+          <p:cNvPicPr>
+            <a:picLocks noGrp="1" noChangeAspect="1"/>
+          </p:cNvPicPr>
+          <p:nvPr>
+            <p:ph idx="1"/>
+          </p:nvPr>
+        </p:nvPicPr>
+        <p:blipFill>
+          <a:blip r:embed="rId2" cstate="print"/>
+          <a:stretch>
+            <a:fillRect/>
+          </a:stretch>
+        </p:blipFill>
+        <p:spPr>
+          <a:xfrm>
+            <a:off x="1905000" y="2316163"/>
+            <a:ext cx="5334000" cy="4191000"/>
+          </a:xfrm>
+        </p:spPr>
+      </p:pic>
+    </p:spTree>
   </p:cSld>
   <p:clrMapOvr>
     <a:masterClrMapping/>
@@ -11541,7 +14430,6 @@
               <a:rPr lang="da-DK" dirty="0" smtClean="0"/>
               <a:t>Bachelor</a:t>
             </a:r>
-            <a:endParaRPr lang="da-DK" dirty="0" smtClean="0"/>
           </a:p>
           <a:p>
             <a:pPr lvl="1"/>
@@ -11549,7 +14437,6 @@
               <a:rPr lang="da-DK" dirty="0" smtClean="0"/>
               <a:t>Datalogi</a:t>
             </a:r>
-            <a:endParaRPr lang="da-DK" dirty="0" smtClean="0"/>
           </a:p>
           <a:p>
             <a:pPr lvl="1"/>
@@ -11602,7 +14489,7 @@
     </p:spTree>
     <p:extLst>
       <p:ext uri="{BB962C8B-B14F-4D97-AF65-F5344CB8AC3E}">
-        <p14:creationId xmlns:p14="http://schemas.microsoft.com/office/powerpoint/2010/main" xmlns="" val="541623579"/>
+        <p14:creationId xmlns="" xmlns:p14="http://schemas.microsoft.com/office/powerpoint/2010/main" val="541623579"/>
       </p:ext>
     </p:extLst>
   </p:cSld>
@@ -11659,11 +14546,7 @@
           <a:p>
             <a:r>
               <a:rPr lang="da-DK" dirty="0" smtClean="0"/>
-              <a:t>Design, implementation </a:t>
-            </a:r>
-            <a:r>
-              <a:rPr lang="da-DK" dirty="0" smtClean="0"/>
-              <a:t>og analysere software  </a:t>
+              <a:t>Design, implementation og analysere software  </a:t>
             </a:r>
           </a:p>
           <a:p>
@@ -11704,7 +14587,7 @@
     </p:spTree>
     <p:extLst>
       <p:ext uri="{BB962C8B-B14F-4D97-AF65-F5344CB8AC3E}">
-        <p14:creationId xmlns:p14="http://schemas.microsoft.com/office/powerpoint/2010/main" xmlns="" val="1021293328"/>
+        <p14:creationId xmlns="" xmlns:p14="http://schemas.microsoft.com/office/powerpoint/2010/main" val="1021293328"/>
       </p:ext>
     </p:extLst>
   </p:cSld>
@@ -11755,15 +14638,7 @@
           <a:p>
             <a:r>
               <a:rPr lang="da-DK" dirty="0" smtClean="0"/>
-              <a:t>Systemudvikling</a:t>
-            </a:r>
-            <a:r>
-              <a:rPr lang="da-DK" dirty="0" smtClean="0"/>
-              <a:t>, </a:t>
-            </a:r>
-            <a:r>
-              <a:rPr lang="da-DK" dirty="0" smtClean="0"/>
-              <a:t>analyse, design</a:t>
+              <a:t>Systemudvikling, analyse, design</a:t>
             </a:r>
           </a:p>
           <a:p>
@@ -11802,7 +14677,7 @@
     </p:spTree>
     <p:extLst>
       <p:ext uri="{BB962C8B-B14F-4D97-AF65-F5344CB8AC3E}">
-        <p14:creationId xmlns:p14="http://schemas.microsoft.com/office/powerpoint/2010/main" xmlns="" val="917461865"/>
+        <p14:creationId xmlns="" xmlns:p14="http://schemas.microsoft.com/office/powerpoint/2010/main" val="917461865"/>
       </p:ext>
     </p:extLst>
   </p:cSld>
@@ -11859,11 +14734,7 @@
           <a:p>
             <a:r>
               <a:rPr lang="da-DK" dirty="0" smtClean="0"/>
-              <a:t>P</a:t>
-            </a:r>
-            <a:r>
-              <a:rPr lang="da-DK" dirty="0" smtClean="0"/>
-              <a:t>rogrammere med alle sprog </a:t>
+              <a:t>Programmere med alle sprog </a:t>
             </a:r>
           </a:p>
           <a:p>
@@ -11871,7 +14742,6 @@
               <a:rPr lang="da-DK" dirty="0" smtClean="0"/>
               <a:t>Optimering a kode</a:t>
             </a:r>
-            <a:endParaRPr lang="da-DK" dirty="0" smtClean="0"/>
           </a:p>
           <a:p>
             <a:endParaRPr lang="da-DK" dirty="0" smtClean="0"/>
@@ -11908,7 +14778,7 @@
     </p:spTree>
     <p:extLst>
       <p:ext uri="{BB962C8B-B14F-4D97-AF65-F5344CB8AC3E}">
-        <p14:creationId xmlns:p14="http://schemas.microsoft.com/office/powerpoint/2010/main" xmlns="" val="1263442955"/>
+        <p14:creationId xmlns="" xmlns:p14="http://schemas.microsoft.com/office/powerpoint/2010/main" val="1263442955"/>
       </p:ext>
     </p:extLst>
   </p:cSld>
